--- a/default_templates.pptx
+++ b/default_templates.pptx
@@ -10,6 +10,8 @@
     <p:sldId id="273" r:id="rId4"/>
     <p:sldId id="275" r:id="rId5"/>
     <p:sldId id="276" r:id="rId6"/>
+    <p:sldId id="277" r:id="rId7"/>
+    <p:sldId id="278" r:id="rId8"/>
   </p:sldIdLst>
   <p:sldSz cx="9144000" cy="6858000" type="screen4x3"/>
   <p:notesSz cx="6858000" cy="9144000"/>
@@ -6658,6 +6660,896 @@
 </p:sld>
 </file>
 
+<file path=ppt/slides/slide6.xml><?xml version="1.0" encoding="utf-8"?>
+<p:sld xmlns:a="http://schemas.openxmlformats.org/drawingml/2006/main" xmlns:r="http://schemas.openxmlformats.org/officeDocument/2006/relationships" xmlns:p="http://schemas.openxmlformats.org/presentationml/2006/main">
+  <p:cSld>
+    <p:spTree>
+      <p:nvGrpSpPr>
+        <p:cNvPr id="1" name=""/>
+        <p:cNvGrpSpPr/>
+        <p:nvPr/>
+      </p:nvGrpSpPr>
+      <p:grpSpPr>
+        <a:xfrm>
+          <a:off x="0" y="0"/>
+          <a:ext cx="0" cy="0"/>
+          <a:chOff x="0" y="0"/>
+          <a:chExt cx="0" cy="0"/>
+        </a:xfrm>
+      </p:grpSpPr>
+      <p:cxnSp>
+        <p:nvCxnSpPr>
+          <p:cNvPr id="19" name="Straight Connector 18">
+            <a:extLst>
+              <a:ext uri="{FF2B5EF4-FFF2-40B4-BE49-F238E27FC236}">
+                <a16:creationId xmlns:a16="http://schemas.microsoft.com/office/drawing/2014/main" id="{B282C7A2-7DC7-42A3-9AFE-D71061BE32E9}"/>
+              </a:ext>
+            </a:extLst>
+          </p:cNvPr>
+          <p:cNvCxnSpPr/>
+          <p:nvPr/>
+        </p:nvCxnSpPr>
+        <p:spPr>
+          <a:xfrm>
+            <a:off x="1211913" y="3213717"/>
+            <a:ext cx="0" cy="3453413"/>
+          </a:xfrm>
+          <a:prstGeom prst="line">
+            <a:avLst/>
+          </a:prstGeom>
+        </p:spPr>
+        <p:style>
+          <a:lnRef idx="1">
+            <a:schemeClr val="accent1"/>
+          </a:lnRef>
+          <a:fillRef idx="0">
+            <a:schemeClr val="accent1"/>
+          </a:fillRef>
+          <a:effectRef idx="0">
+            <a:schemeClr val="accent1"/>
+          </a:effectRef>
+          <a:fontRef idx="minor">
+            <a:schemeClr val="tx1"/>
+          </a:fontRef>
+        </p:style>
+      </p:cxnSp>
+      <p:cxnSp>
+        <p:nvCxnSpPr>
+          <p:cNvPr id="20" name="Straight Connector 19">
+            <a:extLst>
+              <a:ext uri="{FF2B5EF4-FFF2-40B4-BE49-F238E27FC236}">
+                <a16:creationId xmlns:a16="http://schemas.microsoft.com/office/drawing/2014/main" id="{61ED0C4A-86F6-4341-AE22-402DFB6BC384}"/>
+              </a:ext>
+            </a:extLst>
+          </p:cNvPr>
+          <p:cNvCxnSpPr/>
+          <p:nvPr/>
+        </p:nvCxnSpPr>
+        <p:spPr>
+          <a:xfrm>
+            <a:off x="7898919" y="3286956"/>
+            <a:ext cx="0" cy="3453413"/>
+          </a:xfrm>
+          <a:prstGeom prst="line">
+            <a:avLst/>
+          </a:prstGeom>
+        </p:spPr>
+        <p:style>
+          <a:lnRef idx="1">
+            <a:schemeClr val="accent1"/>
+          </a:lnRef>
+          <a:fillRef idx="0">
+            <a:schemeClr val="accent1"/>
+          </a:fillRef>
+          <a:effectRef idx="0">
+            <a:schemeClr val="accent1"/>
+          </a:effectRef>
+          <a:fontRef idx="minor">
+            <a:schemeClr val="tx1"/>
+          </a:fontRef>
+        </p:style>
+      </p:cxnSp>
+      <p:cxnSp>
+        <p:nvCxnSpPr>
+          <p:cNvPr id="21" name="Straight Connector 20">
+            <a:extLst>
+              <a:ext uri="{FF2B5EF4-FFF2-40B4-BE49-F238E27FC236}">
+                <a16:creationId xmlns:a16="http://schemas.microsoft.com/office/drawing/2014/main" id="{E9DA7100-971C-4E3E-9218-EB1ACA2E1978}"/>
+              </a:ext>
+            </a:extLst>
+          </p:cNvPr>
+          <p:cNvCxnSpPr>
+            <a:cxnSpLocks/>
+          </p:cNvCxnSpPr>
+          <p:nvPr/>
+        </p:nvCxnSpPr>
+        <p:spPr>
+          <a:xfrm flipH="1">
+            <a:off x="195310" y="5687608"/>
+            <a:ext cx="8637972" cy="0"/>
+          </a:xfrm>
+          <a:prstGeom prst="line">
+            <a:avLst/>
+          </a:prstGeom>
+        </p:spPr>
+        <p:style>
+          <a:lnRef idx="1">
+            <a:schemeClr val="accent1"/>
+          </a:lnRef>
+          <a:fillRef idx="0">
+            <a:schemeClr val="accent1"/>
+          </a:fillRef>
+          <a:effectRef idx="0">
+            <a:schemeClr val="accent1"/>
+          </a:effectRef>
+          <a:fontRef idx="minor">
+            <a:schemeClr val="tx1"/>
+          </a:fontRef>
+        </p:style>
+      </p:cxnSp>
+      <p:cxnSp>
+        <p:nvCxnSpPr>
+          <p:cNvPr id="31" name="Straight Connector 30">
+            <a:extLst>
+              <a:ext uri="{FF2B5EF4-FFF2-40B4-BE49-F238E27FC236}">
+                <a16:creationId xmlns:a16="http://schemas.microsoft.com/office/drawing/2014/main" id="{A066C30E-F07F-48CA-8E2B-4D07D520F8BD}"/>
+              </a:ext>
+            </a:extLst>
+          </p:cNvPr>
+          <p:cNvCxnSpPr/>
+          <p:nvPr/>
+        </p:nvCxnSpPr>
+        <p:spPr>
+          <a:xfrm>
+            <a:off x="2900816" y="3286956"/>
+            <a:ext cx="0" cy="3453413"/>
+          </a:xfrm>
+          <a:prstGeom prst="line">
+            <a:avLst/>
+          </a:prstGeom>
+        </p:spPr>
+        <p:style>
+          <a:lnRef idx="1">
+            <a:schemeClr val="accent1"/>
+          </a:lnRef>
+          <a:fillRef idx="0">
+            <a:schemeClr val="accent1"/>
+          </a:fillRef>
+          <a:effectRef idx="0">
+            <a:schemeClr val="accent1"/>
+          </a:effectRef>
+          <a:fontRef idx="minor">
+            <a:schemeClr val="tx1"/>
+          </a:fontRef>
+        </p:style>
+      </p:cxnSp>
+      <p:cxnSp>
+        <p:nvCxnSpPr>
+          <p:cNvPr id="32" name="Straight Connector 31">
+            <a:extLst>
+              <a:ext uri="{FF2B5EF4-FFF2-40B4-BE49-F238E27FC236}">
+                <a16:creationId xmlns:a16="http://schemas.microsoft.com/office/drawing/2014/main" id="{73C4DBE1-C8F6-4421-9AA2-6AF8DE721DA1}"/>
+              </a:ext>
+            </a:extLst>
+          </p:cNvPr>
+          <p:cNvCxnSpPr/>
+          <p:nvPr/>
+        </p:nvCxnSpPr>
+        <p:spPr>
+          <a:xfrm>
+            <a:off x="6205097" y="3286956"/>
+            <a:ext cx="0" cy="3453413"/>
+          </a:xfrm>
+          <a:prstGeom prst="line">
+            <a:avLst/>
+          </a:prstGeom>
+        </p:spPr>
+        <p:style>
+          <a:lnRef idx="1">
+            <a:schemeClr val="accent1"/>
+          </a:lnRef>
+          <a:fillRef idx="0">
+            <a:schemeClr val="accent1"/>
+          </a:fillRef>
+          <a:effectRef idx="0">
+            <a:schemeClr val="accent1"/>
+          </a:effectRef>
+          <a:fontRef idx="minor">
+            <a:schemeClr val="tx1"/>
+          </a:fontRef>
+        </p:style>
+      </p:cxnSp>
+      <p:cxnSp>
+        <p:nvCxnSpPr>
+          <p:cNvPr id="33" name="Straight Connector 32">
+            <a:extLst>
+              <a:ext uri="{FF2B5EF4-FFF2-40B4-BE49-F238E27FC236}">
+                <a16:creationId xmlns:a16="http://schemas.microsoft.com/office/drawing/2014/main" id="{C8B1D18F-99C1-40AB-8E63-215300E54F7D}"/>
+              </a:ext>
+            </a:extLst>
+          </p:cNvPr>
+          <p:cNvCxnSpPr/>
+          <p:nvPr/>
+        </p:nvCxnSpPr>
+        <p:spPr>
+          <a:xfrm>
+            <a:off x="26633" y="3675360"/>
+            <a:ext cx="9046346" cy="0"/>
+          </a:xfrm>
+          <a:prstGeom prst="line">
+            <a:avLst/>
+          </a:prstGeom>
+        </p:spPr>
+        <p:style>
+          <a:lnRef idx="1">
+            <a:schemeClr val="accent1"/>
+          </a:lnRef>
+          <a:fillRef idx="0">
+            <a:schemeClr val="accent1"/>
+          </a:fillRef>
+          <a:effectRef idx="0">
+            <a:schemeClr val="accent1"/>
+          </a:effectRef>
+          <a:fontRef idx="minor">
+            <a:schemeClr val="tx1"/>
+          </a:fontRef>
+        </p:style>
+      </p:cxnSp>
+      <p:cxnSp>
+        <p:nvCxnSpPr>
+          <p:cNvPr id="34" name="Straight Connector 33">
+            <a:extLst>
+              <a:ext uri="{FF2B5EF4-FFF2-40B4-BE49-F238E27FC236}">
+                <a16:creationId xmlns:a16="http://schemas.microsoft.com/office/drawing/2014/main" id="{9AB4E154-DCDE-4AC1-B9B0-5454A03D9A17}"/>
+              </a:ext>
+            </a:extLst>
+          </p:cNvPr>
+          <p:cNvCxnSpPr/>
+          <p:nvPr/>
+        </p:nvCxnSpPr>
+        <p:spPr>
+          <a:xfrm flipV="1">
+            <a:off x="2073753" y="3213717"/>
+            <a:ext cx="0" cy="3517036"/>
+          </a:xfrm>
+          <a:prstGeom prst="line">
+            <a:avLst/>
+          </a:prstGeom>
+          <a:ln>
+            <a:solidFill>
+              <a:srgbClr val="FF0000"/>
+            </a:solidFill>
+          </a:ln>
+        </p:spPr>
+        <p:style>
+          <a:lnRef idx="1">
+            <a:schemeClr val="accent1"/>
+          </a:lnRef>
+          <a:fillRef idx="0">
+            <a:schemeClr val="accent1"/>
+          </a:fillRef>
+          <a:effectRef idx="0">
+            <a:schemeClr val="accent1"/>
+          </a:effectRef>
+          <a:fontRef idx="minor">
+            <a:schemeClr val="tx1"/>
+          </a:fontRef>
+        </p:style>
+      </p:cxnSp>
+      <p:cxnSp>
+        <p:nvCxnSpPr>
+          <p:cNvPr id="35" name="Straight Connector 34">
+            <a:extLst>
+              <a:ext uri="{FF2B5EF4-FFF2-40B4-BE49-F238E27FC236}">
+                <a16:creationId xmlns:a16="http://schemas.microsoft.com/office/drawing/2014/main" id="{DB8E852A-B933-49A6-A4F8-08BC3FBCA6BE}"/>
+              </a:ext>
+            </a:extLst>
+          </p:cNvPr>
+          <p:cNvCxnSpPr/>
+          <p:nvPr/>
+        </p:nvCxnSpPr>
+        <p:spPr>
+          <a:xfrm flipV="1">
+            <a:off x="7055489" y="3277340"/>
+            <a:ext cx="0" cy="3517036"/>
+          </a:xfrm>
+          <a:prstGeom prst="line">
+            <a:avLst/>
+          </a:prstGeom>
+          <a:ln>
+            <a:solidFill>
+              <a:srgbClr val="FF0000"/>
+            </a:solidFill>
+          </a:ln>
+        </p:spPr>
+        <p:style>
+          <a:lnRef idx="1">
+            <a:schemeClr val="accent1"/>
+          </a:lnRef>
+          <a:fillRef idx="0">
+            <a:schemeClr val="accent1"/>
+          </a:fillRef>
+          <a:effectRef idx="0">
+            <a:schemeClr val="accent1"/>
+          </a:effectRef>
+          <a:fontRef idx="minor">
+            <a:schemeClr val="tx1"/>
+          </a:fontRef>
+        </p:style>
+      </p:cxnSp>
+      <p:cxnSp>
+        <p:nvCxnSpPr>
+          <p:cNvPr id="36" name="Straight Connector 35">
+            <a:extLst>
+              <a:ext uri="{FF2B5EF4-FFF2-40B4-BE49-F238E27FC236}">
+                <a16:creationId xmlns:a16="http://schemas.microsoft.com/office/drawing/2014/main" id="{E862C820-31B1-4DAA-85A8-21F66D0EF258}"/>
+              </a:ext>
+            </a:extLst>
+          </p:cNvPr>
+          <p:cNvCxnSpPr/>
+          <p:nvPr/>
+        </p:nvCxnSpPr>
+        <p:spPr>
+          <a:xfrm flipV="1">
+            <a:off x="4560092" y="3232859"/>
+            <a:ext cx="0" cy="3517036"/>
+          </a:xfrm>
+          <a:prstGeom prst="line">
+            <a:avLst/>
+          </a:prstGeom>
+          <a:ln>
+            <a:solidFill>
+              <a:srgbClr val="FF0000"/>
+            </a:solidFill>
+          </a:ln>
+        </p:spPr>
+        <p:style>
+          <a:lnRef idx="1">
+            <a:schemeClr val="accent1"/>
+          </a:lnRef>
+          <a:fillRef idx="0">
+            <a:schemeClr val="accent1"/>
+          </a:fillRef>
+          <a:effectRef idx="0">
+            <a:schemeClr val="accent1"/>
+          </a:effectRef>
+          <a:fontRef idx="minor">
+            <a:schemeClr val="tx1"/>
+          </a:fontRef>
+        </p:style>
+      </p:cxnSp>
+      <p:cxnSp>
+        <p:nvCxnSpPr>
+          <p:cNvPr id="37" name="Straight Connector 36">
+            <a:extLst>
+              <a:ext uri="{FF2B5EF4-FFF2-40B4-BE49-F238E27FC236}">
+                <a16:creationId xmlns:a16="http://schemas.microsoft.com/office/drawing/2014/main" id="{5AB1C710-346A-4577-A966-66F17A75A4FA}"/>
+              </a:ext>
+            </a:extLst>
+          </p:cNvPr>
+          <p:cNvCxnSpPr>
+            <a:cxnSpLocks/>
+          </p:cNvCxnSpPr>
+          <p:nvPr/>
+        </p:nvCxnSpPr>
+        <p:spPr>
+          <a:xfrm flipV="1">
+            <a:off x="6695005" y="3334270"/>
+            <a:ext cx="0" cy="3406099"/>
+          </a:xfrm>
+          <a:prstGeom prst="line">
+            <a:avLst/>
+          </a:prstGeom>
+          <a:ln>
+            <a:solidFill>
+              <a:schemeClr val="accent6">
+                <a:lumMod val="40000"/>
+                <a:lumOff val="60000"/>
+              </a:schemeClr>
+            </a:solidFill>
+          </a:ln>
+        </p:spPr>
+        <p:style>
+          <a:lnRef idx="1">
+            <a:schemeClr val="accent1"/>
+          </a:lnRef>
+          <a:fillRef idx="0">
+            <a:schemeClr val="accent1"/>
+          </a:fillRef>
+          <a:effectRef idx="0">
+            <a:schemeClr val="accent1"/>
+          </a:effectRef>
+          <a:fontRef idx="minor">
+            <a:schemeClr val="tx1"/>
+          </a:fontRef>
+        </p:style>
+      </p:cxnSp>
+      <p:cxnSp>
+        <p:nvCxnSpPr>
+          <p:cNvPr id="38" name="Straight Connector 37">
+            <a:extLst>
+              <a:ext uri="{FF2B5EF4-FFF2-40B4-BE49-F238E27FC236}">
+                <a16:creationId xmlns:a16="http://schemas.microsoft.com/office/drawing/2014/main" id="{119B172F-C03D-409E-9033-E2C634D1CDCF}"/>
+              </a:ext>
+            </a:extLst>
+          </p:cNvPr>
+          <p:cNvCxnSpPr>
+            <a:cxnSpLocks/>
+          </p:cNvCxnSpPr>
+          <p:nvPr/>
+        </p:nvCxnSpPr>
+        <p:spPr>
+          <a:xfrm flipV="1">
+            <a:off x="2426629" y="3343796"/>
+            <a:ext cx="0" cy="3406099"/>
+          </a:xfrm>
+          <a:prstGeom prst="line">
+            <a:avLst/>
+          </a:prstGeom>
+          <a:ln>
+            <a:solidFill>
+              <a:schemeClr val="accent6">
+                <a:lumMod val="40000"/>
+                <a:lumOff val="60000"/>
+              </a:schemeClr>
+            </a:solidFill>
+          </a:ln>
+        </p:spPr>
+        <p:style>
+          <a:lnRef idx="1">
+            <a:schemeClr val="accent1"/>
+          </a:lnRef>
+          <a:fillRef idx="0">
+            <a:schemeClr val="accent1"/>
+          </a:fillRef>
+          <a:effectRef idx="0">
+            <a:schemeClr val="accent1"/>
+          </a:effectRef>
+          <a:fontRef idx="minor">
+            <a:schemeClr val="tx1"/>
+          </a:fontRef>
+        </p:style>
+      </p:cxnSp>
+      <p:sp>
+        <p:nvSpPr>
+          <p:cNvPr id="39" name="TextBox 38">
+            <a:extLst>
+              <a:ext uri="{FF2B5EF4-FFF2-40B4-BE49-F238E27FC236}">
+                <a16:creationId xmlns:a16="http://schemas.microsoft.com/office/drawing/2014/main" id="{9AD56F64-2A09-462B-864D-B24061B0A54E}"/>
+              </a:ext>
+            </a:extLst>
+          </p:cNvPr>
+          <p:cNvSpPr txBox="1"/>
+          <p:nvPr/>
+        </p:nvSpPr>
+        <p:spPr>
+          <a:xfrm>
+            <a:off x="372862" y="310718"/>
+            <a:ext cx="2853153" cy="369332"/>
+          </a:xfrm>
+          <a:prstGeom prst="rect">
+            <a:avLst/>
+          </a:prstGeom>
+          <a:noFill/>
+        </p:spPr>
+        <p:txBody>
+          <a:bodyPr wrap="none" rtlCol="0">
+            <a:spAutoFit/>
+          </a:bodyPr>
+          <a:lstStyle/>
+          <a:p>
+            <a:r>
+              <a:rPr lang="en-US" dirty="0" err="1"/>
+              <a:t>DefaultFor</a:t>
+            </a:r>
+            <a:r>
+              <a:rPr lang="en-US" dirty="0"/>
+              <a:t>=</a:t>
+            </a:r>
+            <a:r>
+              <a:rPr lang="en-US" dirty="0" err="1"/>
+              <a:t>Formation_Lines</a:t>
+            </a:r>
+            <a:endParaRPr lang="en-US" dirty="0"/>
+          </a:p>
+        </p:txBody>
+      </p:sp>
+      <p:sp>
+        <p:nvSpPr>
+          <p:cNvPr id="46" name="TextBox 45">
+            <a:extLst>
+              <a:ext uri="{FF2B5EF4-FFF2-40B4-BE49-F238E27FC236}">
+                <a16:creationId xmlns:a16="http://schemas.microsoft.com/office/drawing/2014/main" id="{1860016D-777D-426F-9C82-4F0AF7A15085}"/>
+              </a:ext>
+            </a:extLst>
+          </p:cNvPr>
+          <p:cNvSpPr txBox="1"/>
+          <p:nvPr/>
+        </p:nvSpPr>
+        <p:spPr>
+          <a:xfrm>
+            <a:off x="385641" y="0"/>
+            <a:ext cx="2292166" cy="369332"/>
+          </a:xfrm>
+          <a:prstGeom prst="rect">
+            <a:avLst/>
+          </a:prstGeom>
+          <a:noFill/>
+        </p:spPr>
+        <p:txBody>
+          <a:bodyPr wrap="none" rtlCol="0">
+            <a:spAutoFit/>
+          </a:bodyPr>
+          <a:lstStyle/>
+          <a:p>
+            <a:r>
+              <a:rPr lang="en-US" dirty="0" err="1"/>
+              <a:t>TemplateType</a:t>
+            </a:r>
+            <a:r>
+              <a:rPr lang="en-US" dirty="0"/>
+              <a:t>=Default</a:t>
+            </a:r>
+          </a:p>
+        </p:txBody>
+      </p:sp>
+    </p:spTree>
+    <p:extLst>
+      <p:ext uri="{BB962C8B-B14F-4D97-AF65-F5344CB8AC3E}">
+        <p14:creationId xmlns:p14="http://schemas.microsoft.com/office/powerpoint/2010/main" val="132713738"/>
+      </p:ext>
+    </p:extLst>
+  </p:cSld>
+  <p:clrMapOvr>
+    <a:masterClrMapping/>
+  </p:clrMapOvr>
+</p:sld>
+</file>
+
+<file path=ppt/slides/slide7.xml><?xml version="1.0" encoding="utf-8"?>
+<p:sld xmlns:a="http://schemas.openxmlformats.org/drawingml/2006/main" xmlns:r="http://schemas.openxmlformats.org/officeDocument/2006/relationships" xmlns:p="http://schemas.openxmlformats.org/presentationml/2006/main">
+  <p:cSld>
+    <p:spTree>
+      <p:nvGrpSpPr>
+        <p:cNvPr id="1" name=""/>
+        <p:cNvGrpSpPr/>
+        <p:nvPr/>
+      </p:nvGrpSpPr>
+      <p:grpSpPr>
+        <a:xfrm>
+          <a:off x="0" y="0"/>
+          <a:ext cx="0" cy="0"/>
+          <a:chOff x="0" y="0"/>
+          <a:chExt cx="0" cy="0"/>
+        </a:xfrm>
+      </p:grpSpPr>
+      <p:cxnSp>
+        <p:nvCxnSpPr>
+          <p:cNvPr id="18" name="Straight Connector 17">
+            <a:extLst>
+              <a:ext uri="{FF2B5EF4-FFF2-40B4-BE49-F238E27FC236}">
+                <a16:creationId xmlns:a16="http://schemas.microsoft.com/office/drawing/2014/main" id="{15EC7B01-C95D-446B-86CF-863B18F5AB5B}"/>
+              </a:ext>
+            </a:extLst>
+          </p:cNvPr>
+          <p:cNvCxnSpPr>
+            <a:cxnSpLocks/>
+          </p:cNvCxnSpPr>
+          <p:nvPr/>
+        </p:nvCxnSpPr>
+        <p:spPr>
+          <a:xfrm flipH="1">
+            <a:off x="159595" y="5687608"/>
+            <a:ext cx="8637972" cy="0"/>
+          </a:xfrm>
+          <a:prstGeom prst="line">
+            <a:avLst/>
+          </a:prstGeom>
+        </p:spPr>
+        <p:style>
+          <a:lnRef idx="1">
+            <a:schemeClr val="accent1"/>
+          </a:lnRef>
+          <a:fillRef idx="0">
+            <a:schemeClr val="accent1"/>
+          </a:fillRef>
+          <a:effectRef idx="0">
+            <a:schemeClr val="accent1"/>
+          </a:effectRef>
+          <a:fontRef idx="minor">
+            <a:schemeClr val="tx1"/>
+          </a:fontRef>
+        </p:style>
+      </p:cxnSp>
+      <p:cxnSp>
+        <p:nvCxnSpPr>
+          <p:cNvPr id="19" name="Straight Connector 18">
+            <a:extLst>
+              <a:ext uri="{FF2B5EF4-FFF2-40B4-BE49-F238E27FC236}">
+                <a16:creationId xmlns:a16="http://schemas.microsoft.com/office/drawing/2014/main" id="{F8C63B8D-C02E-4A4B-8021-FDB1E74ACD33}"/>
+              </a:ext>
+            </a:extLst>
+          </p:cNvPr>
+          <p:cNvCxnSpPr/>
+          <p:nvPr/>
+        </p:nvCxnSpPr>
+        <p:spPr>
+          <a:xfrm flipV="1">
+            <a:off x="4560092" y="3232859"/>
+            <a:ext cx="0" cy="3517036"/>
+          </a:xfrm>
+          <a:prstGeom prst="line">
+            <a:avLst/>
+          </a:prstGeom>
+          <a:ln>
+            <a:solidFill>
+              <a:srgbClr val="FF0000"/>
+            </a:solidFill>
+          </a:ln>
+        </p:spPr>
+        <p:style>
+          <a:lnRef idx="1">
+            <a:schemeClr val="accent1"/>
+          </a:lnRef>
+          <a:fillRef idx="0">
+            <a:schemeClr val="accent1"/>
+          </a:fillRef>
+          <a:effectRef idx="0">
+            <a:schemeClr val="accent1"/>
+          </a:effectRef>
+          <a:fontRef idx="minor">
+            <a:schemeClr val="tx1"/>
+          </a:fontRef>
+        </p:style>
+      </p:cxnSp>
+      <p:cxnSp>
+        <p:nvCxnSpPr>
+          <p:cNvPr id="20" name="Straight Connector 19">
+            <a:extLst>
+              <a:ext uri="{FF2B5EF4-FFF2-40B4-BE49-F238E27FC236}">
+                <a16:creationId xmlns:a16="http://schemas.microsoft.com/office/drawing/2014/main" id="{80EB5DBF-9C15-40E6-9C65-ABE5FDFD472A}"/>
+              </a:ext>
+            </a:extLst>
+          </p:cNvPr>
+          <p:cNvCxnSpPr>
+            <a:cxnSpLocks/>
+          </p:cNvCxnSpPr>
+          <p:nvPr/>
+        </p:nvCxnSpPr>
+        <p:spPr>
+          <a:xfrm flipH="1">
+            <a:off x="159595" y="6132832"/>
+            <a:ext cx="8637972" cy="0"/>
+          </a:xfrm>
+          <a:prstGeom prst="line">
+            <a:avLst/>
+          </a:prstGeom>
+        </p:spPr>
+        <p:style>
+          <a:lnRef idx="1">
+            <a:schemeClr val="accent1"/>
+          </a:lnRef>
+          <a:fillRef idx="0">
+            <a:schemeClr val="accent1"/>
+          </a:fillRef>
+          <a:effectRef idx="0">
+            <a:schemeClr val="accent1"/>
+          </a:effectRef>
+          <a:fontRef idx="minor">
+            <a:schemeClr val="tx1"/>
+          </a:fontRef>
+        </p:style>
+      </p:cxnSp>
+      <p:cxnSp>
+        <p:nvCxnSpPr>
+          <p:cNvPr id="21" name="Straight Connector 20">
+            <a:extLst>
+              <a:ext uri="{FF2B5EF4-FFF2-40B4-BE49-F238E27FC236}">
+                <a16:creationId xmlns:a16="http://schemas.microsoft.com/office/drawing/2014/main" id="{50C5EE44-85F4-44D0-9DFA-7AE59239EAD0}"/>
+              </a:ext>
+            </a:extLst>
+          </p:cNvPr>
+          <p:cNvCxnSpPr>
+            <a:cxnSpLocks/>
+          </p:cNvCxnSpPr>
+          <p:nvPr/>
+        </p:nvCxnSpPr>
+        <p:spPr>
+          <a:xfrm>
+            <a:off x="5088730" y="4743450"/>
+            <a:ext cx="0" cy="2000821"/>
+          </a:xfrm>
+          <a:prstGeom prst="line">
+            <a:avLst/>
+          </a:prstGeom>
+        </p:spPr>
+        <p:style>
+          <a:lnRef idx="1">
+            <a:schemeClr val="accent1"/>
+          </a:lnRef>
+          <a:fillRef idx="0">
+            <a:schemeClr val="accent1"/>
+          </a:fillRef>
+          <a:effectRef idx="0">
+            <a:schemeClr val="accent1"/>
+          </a:effectRef>
+          <a:fontRef idx="minor">
+            <a:schemeClr val="tx1"/>
+          </a:fontRef>
+        </p:style>
+      </p:cxnSp>
+      <p:cxnSp>
+        <p:nvCxnSpPr>
+          <p:cNvPr id="22" name="Straight Connector 21">
+            <a:extLst>
+              <a:ext uri="{FF2B5EF4-FFF2-40B4-BE49-F238E27FC236}">
+                <a16:creationId xmlns:a16="http://schemas.microsoft.com/office/drawing/2014/main" id="{8FFEA17C-50FF-4426-AE85-F2527EDEBC89}"/>
+              </a:ext>
+            </a:extLst>
+          </p:cNvPr>
+          <p:cNvCxnSpPr>
+            <a:cxnSpLocks/>
+          </p:cNvCxnSpPr>
+          <p:nvPr/>
+        </p:nvCxnSpPr>
+        <p:spPr>
+          <a:xfrm>
+            <a:off x="4034630" y="4742784"/>
+            <a:ext cx="0" cy="2000821"/>
+          </a:xfrm>
+          <a:prstGeom prst="line">
+            <a:avLst/>
+          </a:prstGeom>
+        </p:spPr>
+        <p:style>
+          <a:lnRef idx="1">
+            <a:schemeClr val="accent1"/>
+          </a:lnRef>
+          <a:fillRef idx="0">
+            <a:schemeClr val="accent1"/>
+          </a:fillRef>
+          <a:effectRef idx="0">
+            <a:schemeClr val="accent1"/>
+          </a:effectRef>
+          <a:fontRef idx="minor">
+            <a:schemeClr val="tx1"/>
+          </a:fontRef>
+        </p:style>
+      </p:cxnSp>
+      <p:cxnSp>
+        <p:nvCxnSpPr>
+          <p:cNvPr id="34" name="Straight Connector 33">
+            <a:extLst>
+              <a:ext uri="{FF2B5EF4-FFF2-40B4-BE49-F238E27FC236}">
+                <a16:creationId xmlns:a16="http://schemas.microsoft.com/office/drawing/2014/main" id="{A4971B96-589B-4B65-A9F4-86E72142DC00}"/>
+              </a:ext>
+            </a:extLst>
+          </p:cNvPr>
+          <p:cNvCxnSpPr>
+            <a:cxnSpLocks/>
+          </p:cNvCxnSpPr>
+          <p:nvPr/>
+        </p:nvCxnSpPr>
+        <p:spPr>
+          <a:xfrm flipH="1">
+            <a:off x="159595" y="6744271"/>
+            <a:ext cx="8637972" cy="0"/>
+          </a:xfrm>
+          <a:prstGeom prst="line">
+            <a:avLst/>
+          </a:prstGeom>
+        </p:spPr>
+        <p:style>
+          <a:lnRef idx="1">
+            <a:schemeClr val="accent1"/>
+          </a:lnRef>
+          <a:fillRef idx="0">
+            <a:schemeClr val="accent1"/>
+          </a:fillRef>
+          <a:effectRef idx="0">
+            <a:schemeClr val="accent1"/>
+          </a:effectRef>
+          <a:fontRef idx="minor">
+            <a:schemeClr val="tx1"/>
+          </a:fontRef>
+        </p:style>
+      </p:cxnSp>
+      <p:sp>
+        <p:nvSpPr>
+          <p:cNvPr id="26" name="TextBox 25">
+            <a:extLst>
+              <a:ext uri="{FF2B5EF4-FFF2-40B4-BE49-F238E27FC236}">
+                <a16:creationId xmlns:a16="http://schemas.microsoft.com/office/drawing/2014/main" id="{8A8F4799-27F1-41D6-B3B8-0827BDE3EC72}"/>
+              </a:ext>
+            </a:extLst>
+          </p:cNvPr>
+          <p:cNvSpPr txBox="1"/>
+          <p:nvPr/>
+        </p:nvSpPr>
+        <p:spPr>
+          <a:xfrm>
+            <a:off x="372862" y="310718"/>
+            <a:ext cx="2733377" cy="369332"/>
+          </a:xfrm>
+          <a:prstGeom prst="rect">
+            <a:avLst/>
+          </a:prstGeom>
+          <a:noFill/>
+        </p:spPr>
+        <p:txBody>
+          <a:bodyPr wrap="none" rtlCol="0">
+            <a:spAutoFit/>
+          </a:bodyPr>
+          <a:lstStyle/>
+          <a:p>
+            <a:r>
+              <a:rPr lang="en-US" dirty="0" err="1"/>
+              <a:t>DefaultFor</a:t>
+            </a:r>
+            <a:r>
+              <a:rPr lang="en-US" dirty="0"/>
+              <a:t>=</a:t>
+            </a:r>
+            <a:r>
+              <a:rPr lang="en-US" dirty="0" err="1"/>
+              <a:t>Backfield_Lines</a:t>
+            </a:r>
+            <a:endParaRPr lang="en-US" dirty="0"/>
+          </a:p>
+        </p:txBody>
+      </p:sp>
+      <p:sp>
+        <p:nvSpPr>
+          <p:cNvPr id="27" name="TextBox 26">
+            <a:extLst>
+              <a:ext uri="{FF2B5EF4-FFF2-40B4-BE49-F238E27FC236}">
+                <a16:creationId xmlns:a16="http://schemas.microsoft.com/office/drawing/2014/main" id="{7E81A3E1-7E69-41E7-B831-7D403BECCAEE}"/>
+              </a:ext>
+            </a:extLst>
+          </p:cNvPr>
+          <p:cNvSpPr txBox="1"/>
+          <p:nvPr/>
+        </p:nvSpPr>
+        <p:spPr>
+          <a:xfrm>
+            <a:off x="385641" y="0"/>
+            <a:ext cx="2292166" cy="369332"/>
+          </a:xfrm>
+          <a:prstGeom prst="rect">
+            <a:avLst/>
+          </a:prstGeom>
+          <a:noFill/>
+        </p:spPr>
+        <p:txBody>
+          <a:bodyPr wrap="none" rtlCol="0">
+            <a:spAutoFit/>
+          </a:bodyPr>
+          <a:lstStyle/>
+          <a:p>
+            <a:r>
+              <a:rPr lang="en-US" dirty="0" err="1"/>
+              <a:t>TemplateType</a:t>
+            </a:r>
+            <a:r>
+              <a:rPr lang="en-US" dirty="0"/>
+              <a:t>=Default</a:t>
+            </a:r>
+          </a:p>
+        </p:txBody>
+      </p:sp>
+    </p:spTree>
+    <p:extLst>
+      <p:ext uri="{BB962C8B-B14F-4D97-AF65-F5344CB8AC3E}">
+        <p14:creationId xmlns:p14="http://schemas.microsoft.com/office/powerpoint/2010/main" val="2404981145"/>
+      </p:ext>
+    </p:extLst>
+  </p:cSld>
+  <p:clrMapOvr>
+    <a:masterClrMapping/>
+  </p:clrMapOvr>
+</p:sld>
+</file>
+
 <file path=ppt/theme/theme1.xml><?xml version="1.0" encoding="utf-8"?>
 <a:theme xmlns:a="http://schemas.openxmlformats.org/drawingml/2006/main" name="Office Theme">
   <a:themeElements>

--- a/default_templates.pptx
+++ b/default_templates.pptx
@@ -12,6 +12,7 @@
     <p:sldId id="276" r:id="rId6"/>
     <p:sldId id="277" r:id="rId7"/>
     <p:sldId id="278" r:id="rId8"/>
+    <p:sldId id="279" r:id="rId9"/>
   </p:sldIdLst>
   <p:sldSz cx="9144000" cy="6858000" type="screen4x3"/>
   <p:notesSz cx="6858000" cy="9144000"/>
@@ -249,7 +250,7 @@
           <a:p>
             <a:fld id="{17226708-12E5-46C2-9039-F0433A84E3BE}" type="datetimeFigureOut">
               <a:rPr lang="en-US" smtClean="0"/>
-              <a:t>4/8/2018</a:t>
+              <a:t>4/9/2018</a:t>
             </a:fld>
             <a:endParaRPr lang="en-US"/>
           </a:p>
@@ -419,7 +420,7 @@
           <a:p>
             <a:fld id="{17226708-12E5-46C2-9039-F0433A84E3BE}" type="datetimeFigureOut">
               <a:rPr lang="en-US" smtClean="0"/>
-              <a:t>4/8/2018</a:t>
+              <a:t>4/9/2018</a:t>
             </a:fld>
             <a:endParaRPr lang="en-US"/>
           </a:p>
@@ -599,7 +600,7 @@
           <a:p>
             <a:fld id="{17226708-12E5-46C2-9039-F0433A84E3BE}" type="datetimeFigureOut">
               <a:rPr lang="en-US" smtClean="0"/>
-              <a:t>4/8/2018</a:t>
+              <a:t>4/9/2018</a:t>
             </a:fld>
             <a:endParaRPr lang="en-US"/>
           </a:p>
@@ -769,7 +770,7 @@
           <a:p>
             <a:fld id="{17226708-12E5-46C2-9039-F0433A84E3BE}" type="datetimeFigureOut">
               <a:rPr lang="en-US" smtClean="0"/>
-              <a:t>4/8/2018</a:t>
+              <a:t>4/9/2018</a:t>
             </a:fld>
             <a:endParaRPr lang="en-US"/>
           </a:p>
@@ -1013,7 +1014,7 @@
           <a:p>
             <a:fld id="{17226708-12E5-46C2-9039-F0433A84E3BE}" type="datetimeFigureOut">
               <a:rPr lang="en-US" smtClean="0"/>
-              <a:t>4/8/2018</a:t>
+              <a:t>4/9/2018</a:t>
             </a:fld>
             <a:endParaRPr lang="en-US"/>
           </a:p>
@@ -1245,7 +1246,7 @@
           <a:p>
             <a:fld id="{17226708-12E5-46C2-9039-F0433A84E3BE}" type="datetimeFigureOut">
               <a:rPr lang="en-US" smtClean="0"/>
-              <a:t>4/8/2018</a:t>
+              <a:t>4/9/2018</a:t>
             </a:fld>
             <a:endParaRPr lang="en-US"/>
           </a:p>
@@ -1612,7 +1613,7 @@
           <a:p>
             <a:fld id="{17226708-12E5-46C2-9039-F0433A84E3BE}" type="datetimeFigureOut">
               <a:rPr lang="en-US" smtClean="0"/>
-              <a:t>4/8/2018</a:t>
+              <a:t>4/9/2018</a:t>
             </a:fld>
             <a:endParaRPr lang="en-US"/>
           </a:p>
@@ -1730,7 +1731,7 @@
           <a:p>
             <a:fld id="{17226708-12E5-46C2-9039-F0433A84E3BE}" type="datetimeFigureOut">
               <a:rPr lang="en-US" smtClean="0"/>
-              <a:t>4/8/2018</a:t>
+              <a:t>4/9/2018</a:t>
             </a:fld>
             <a:endParaRPr lang="en-US"/>
           </a:p>
@@ -1825,7 +1826,7 @@
           <a:p>
             <a:fld id="{17226708-12E5-46C2-9039-F0433A84E3BE}" type="datetimeFigureOut">
               <a:rPr lang="en-US" smtClean="0"/>
-              <a:t>4/8/2018</a:t>
+              <a:t>4/9/2018</a:t>
             </a:fld>
             <a:endParaRPr lang="en-US"/>
           </a:p>
@@ -2102,7 +2103,7 @@
           <a:p>
             <a:fld id="{17226708-12E5-46C2-9039-F0433A84E3BE}" type="datetimeFigureOut">
               <a:rPr lang="en-US" smtClean="0"/>
-              <a:t>4/8/2018</a:t>
+              <a:t>4/9/2018</a:t>
             </a:fld>
             <a:endParaRPr lang="en-US"/>
           </a:p>
@@ -2359,7 +2360,7 @@
           <a:p>
             <a:fld id="{17226708-12E5-46C2-9039-F0433A84E3BE}" type="datetimeFigureOut">
               <a:rPr lang="en-US" smtClean="0"/>
-              <a:t>4/8/2018</a:t>
+              <a:t>4/9/2018</a:t>
             </a:fld>
             <a:endParaRPr lang="en-US"/>
           </a:p>
@@ -2572,7 +2573,7 @@
           <a:p>
             <a:fld id="{17226708-12E5-46C2-9039-F0433A84E3BE}" type="datetimeFigureOut">
               <a:rPr lang="en-US" smtClean="0"/>
-              <a:t>4/8/2018</a:t>
+              <a:t>4/9/2018</a:t>
             </a:fld>
             <a:endParaRPr lang="en-US"/>
           </a:p>
@@ -7550,6 +7551,1568 @@
 </p:sld>
 </file>
 
+<file path=ppt/slides/slide8.xml><?xml version="1.0" encoding="utf-8"?>
+<p:sld xmlns:a="http://schemas.openxmlformats.org/drawingml/2006/main" xmlns:r="http://schemas.openxmlformats.org/officeDocument/2006/relationships" xmlns:p="http://schemas.openxmlformats.org/presentationml/2006/main">
+  <p:cSld>
+    <p:spTree>
+      <p:nvGrpSpPr>
+        <p:cNvPr id="1" name=""/>
+        <p:cNvGrpSpPr/>
+        <p:nvPr/>
+      </p:nvGrpSpPr>
+      <p:grpSpPr>
+        <a:xfrm>
+          <a:off x="0" y="0"/>
+          <a:ext cx="0" cy="0"/>
+          <a:chOff x="0" y="0"/>
+          <a:chExt cx="0" cy="0"/>
+        </a:xfrm>
+      </p:grpSpPr>
+      <p:pic>
+        <p:nvPicPr>
+          <p:cNvPr id="14" name="Picture 13">
+            <a:extLst>
+              <a:ext uri="{FF2B5EF4-FFF2-40B4-BE49-F238E27FC236}">
+                <a16:creationId xmlns:a16="http://schemas.microsoft.com/office/drawing/2014/main" id="{B86D5225-8E25-4811-9D90-7A7BFC1F1188}"/>
+              </a:ext>
+            </a:extLst>
+          </p:cNvPr>
+          <p:cNvPicPr>
+            <a:picLocks noChangeAspect="1"/>
+          </p:cNvPicPr>
+          <p:nvPr/>
+        </p:nvPicPr>
+        <p:blipFill>
+          <a:blip r:embed="rId2"/>
+          <a:stretch>
+            <a:fillRect/>
+          </a:stretch>
+        </p:blipFill>
+        <p:spPr>
+          <a:xfrm>
+            <a:off x="0" y="716946"/>
+            <a:ext cx="9144000" cy="4766654"/>
+          </a:xfrm>
+          <a:prstGeom prst="rect">
+            <a:avLst/>
+          </a:prstGeom>
+        </p:spPr>
+      </p:pic>
+      <p:sp>
+        <p:nvSpPr>
+          <p:cNvPr id="22" name="Oval 21">
+            <a:extLst>
+              <a:ext uri="{FF2B5EF4-FFF2-40B4-BE49-F238E27FC236}">
+                <a16:creationId xmlns:a16="http://schemas.microsoft.com/office/drawing/2014/main" id="{92A01AA0-9EA3-4860-87C5-592EAF0DEE82}"/>
+              </a:ext>
+            </a:extLst>
+          </p:cNvPr>
+          <p:cNvSpPr>
+            <a:spLocks noChangeAspect="1"/>
+          </p:cNvSpPr>
+          <p:nvPr/>
+        </p:nvSpPr>
+        <p:spPr>
+          <a:xfrm>
+            <a:off x="1230623" y="5467526"/>
+            <a:ext cx="265265" cy="220540"/>
+          </a:xfrm>
+          <a:prstGeom prst="ellipse">
+            <a:avLst/>
+          </a:prstGeom>
+        </p:spPr>
+        <p:style>
+          <a:lnRef idx="2">
+            <a:schemeClr val="dk1"/>
+          </a:lnRef>
+          <a:fillRef idx="1">
+            <a:schemeClr val="lt1"/>
+          </a:fillRef>
+          <a:effectRef idx="0">
+            <a:schemeClr val="dk1"/>
+          </a:effectRef>
+          <a:fontRef idx="minor">
+            <a:schemeClr val="dk1"/>
+          </a:fontRef>
+        </p:style>
+        <p:txBody>
+          <a:bodyPr rtlCol="0" anchor="ctr"/>
+          <a:lstStyle/>
+          <a:p>
+            <a:pPr algn="ctr"/>
+            <a:r>
+              <a:rPr lang="en-US" dirty="0"/>
+              <a:t>9</a:t>
+            </a:r>
+          </a:p>
+        </p:txBody>
+      </p:sp>
+      <p:sp>
+        <p:nvSpPr>
+          <p:cNvPr id="23" name="Oval 22">
+            <a:extLst>
+              <a:ext uri="{FF2B5EF4-FFF2-40B4-BE49-F238E27FC236}">
+                <a16:creationId xmlns:a16="http://schemas.microsoft.com/office/drawing/2014/main" id="{3589AA6A-9363-405E-97E8-AD5C226A53D2}"/>
+              </a:ext>
+            </a:extLst>
+          </p:cNvPr>
+          <p:cNvSpPr>
+            <a:spLocks noChangeAspect="1"/>
+          </p:cNvSpPr>
+          <p:nvPr/>
+        </p:nvSpPr>
+        <p:spPr>
+          <a:xfrm>
+            <a:off x="2293984" y="5687151"/>
+            <a:ext cx="265265" cy="220540"/>
+          </a:xfrm>
+          <a:prstGeom prst="ellipse">
+            <a:avLst/>
+          </a:prstGeom>
+        </p:spPr>
+        <p:style>
+          <a:lnRef idx="2">
+            <a:schemeClr val="dk1"/>
+          </a:lnRef>
+          <a:fillRef idx="1">
+            <a:schemeClr val="lt1"/>
+          </a:fillRef>
+          <a:effectRef idx="0">
+            <a:schemeClr val="dk1"/>
+          </a:effectRef>
+          <a:fontRef idx="minor">
+            <a:schemeClr val="dk1"/>
+          </a:fontRef>
+        </p:style>
+        <p:txBody>
+          <a:bodyPr rtlCol="0" anchor="ctr"/>
+          <a:lstStyle/>
+          <a:p>
+            <a:pPr algn="ctr"/>
+            <a:r>
+              <a:rPr lang="en-US" dirty="0"/>
+              <a:t>7</a:t>
+            </a:r>
+          </a:p>
+        </p:txBody>
+      </p:sp>
+      <p:sp>
+        <p:nvSpPr>
+          <p:cNvPr id="24" name="Oval 23">
+            <a:extLst>
+              <a:ext uri="{FF2B5EF4-FFF2-40B4-BE49-F238E27FC236}">
+                <a16:creationId xmlns:a16="http://schemas.microsoft.com/office/drawing/2014/main" id="{B889BA8C-0E26-4F3F-8CF7-B18F6ADC2A52}"/>
+              </a:ext>
+            </a:extLst>
+          </p:cNvPr>
+          <p:cNvSpPr>
+            <a:spLocks noChangeAspect="1"/>
+          </p:cNvSpPr>
+          <p:nvPr/>
+        </p:nvSpPr>
+        <p:spPr>
+          <a:xfrm>
+            <a:off x="7638642" y="5467068"/>
+            <a:ext cx="265265" cy="220540"/>
+          </a:xfrm>
+          <a:prstGeom prst="ellipse">
+            <a:avLst/>
+          </a:prstGeom>
+        </p:spPr>
+        <p:style>
+          <a:lnRef idx="2">
+            <a:schemeClr val="dk1"/>
+          </a:lnRef>
+          <a:fillRef idx="1">
+            <a:schemeClr val="lt1"/>
+          </a:fillRef>
+          <a:effectRef idx="0">
+            <a:schemeClr val="dk1"/>
+          </a:effectRef>
+          <a:fontRef idx="minor">
+            <a:schemeClr val="dk1"/>
+          </a:fontRef>
+        </p:style>
+        <p:txBody>
+          <a:bodyPr rtlCol="0" anchor="ctr"/>
+          <a:lstStyle/>
+          <a:p>
+            <a:pPr algn="ctr"/>
+            <a:r>
+              <a:rPr lang="en-US" dirty="0"/>
+              <a:t>8</a:t>
+            </a:r>
+          </a:p>
+        </p:txBody>
+      </p:sp>
+      <p:sp>
+        <p:nvSpPr>
+          <p:cNvPr id="25" name="Oval 24">
+            <a:extLst>
+              <a:ext uri="{FF2B5EF4-FFF2-40B4-BE49-F238E27FC236}">
+                <a16:creationId xmlns:a16="http://schemas.microsoft.com/office/drawing/2014/main" id="{723C6B51-625E-462A-BBB1-3FC3B29BB96E}"/>
+              </a:ext>
+            </a:extLst>
+          </p:cNvPr>
+          <p:cNvSpPr>
+            <a:spLocks noChangeAspect="1"/>
+          </p:cNvSpPr>
+          <p:nvPr/>
+        </p:nvSpPr>
+        <p:spPr>
+          <a:xfrm>
+            <a:off x="6561102" y="5696016"/>
+            <a:ext cx="265265" cy="220540"/>
+          </a:xfrm>
+          <a:prstGeom prst="ellipse">
+            <a:avLst/>
+          </a:prstGeom>
+        </p:spPr>
+        <p:style>
+          <a:lnRef idx="2">
+            <a:schemeClr val="dk1"/>
+          </a:lnRef>
+          <a:fillRef idx="1">
+            <a:schemeClr val="lt1"/>
+          </a:fillRef>
+          <a:effectRef idx="0">
+            <a:schemeClr val="dk1"/>
+          </a:effectRef>
+          <a:fontRef idx="minor">
+            <a:schemeClr val="dk1"/>
+          </a:fontRef>
+        </p:style>
+        <p:txBody>
+          <a:bodyPr rtlCol="0" anchor="ctr"/>
+          <a:lstStyle/>
+          <a:p>
+            <a:pPr algn="ctr"/>
+            <a:r>
+              <a:rPr lang="en-US" dirty="0"/>
+              <a:t>6</a:t>
+            </a:r>
+          </a:p>
+        </p:txBody>
+      </p:sp>
+      <p:sp>
+        <p:nvSpPr>
+          <p:cNvPr id="26" name="Rectangle 25">
+            <a:extLst>
+              <a:ext uri="{FF2B5EF4-FFF2-40B4-BE49-F238E27FC236}">
+                <a16:creationId xmlns:a16="http://schemas.microsoft.com/office/drawing/2014/main" id="{DF9AD3B9-5DF6-4174-A386-DA0894B2250B}"/>
+              </a:ext>
+            </a:extLst>
+          </p:cNvPr>
+          <p:cNvSpPr>
+            <a:spLocks noChangeAspect="1"/>
+          </p:cNvSpPr>
+          <p:nvPr/>
+        </p:nvSpPr>
+        <p:spPr>
+          <a:xfrm>
+            <a:off x="4428464" y="5467068"/>
+            <a:ext cx="265263" cy="198948"/>
+          </a:xfrm>
+          <a:prstGeom prst="rect">
+            <a:avLst/>
+          </a:prstGeom>
+        </p:spPr>
+        <p:style>
+          <a:lnRef idx="2">
+            <a:schemeClr val="accent1">
+              <a:shade val="50000"/>
+            </a:schemeClr>
+          </a:lnRef>
+          <a:fillRef idx="1">
+            <a:schemeClr val="accent1"/>
+          </a:fillRef>
+          <a:effectRef idx="0">
+            <a:schemeClr val="accent1"/>
+          </a:effectRef>
+          <a:fontRef idx="minor">
+            <a:schemeClr val="lt1"/>
+          </a:fontRef>
+        </p:style>
+        <p:txBody>
+          <a:bodyPr rtlCol="0" anchor="ctr"/>
+          <a:lstStyle/>
+          <a:p>
+            <a:pPr algn="ctr"/>
+            <a:r>
+              <a:rPr lang="en-US" dirty="0"/>
+              <a:t>C</a:t>
+            </a:r>
+          </a:p>
+        </p:txBody>
+      </p:sp>
+      <p:sp>
+        <p:nvSpPr>
+          <p:cNvPr id="27" name="Oval 26">
+            <a:extLst>
+              <a:ext uri="{FF2B5EF4-FFF2-40B4-BE49-F238E27FC236}">
+                <a16:creationId xmlns:a16="http://schemas.microsoft.com/office/drawing/2014/main" id="{88D7B244-75E9-48D5-BEEA-736916B5A913}"/>
+              </a:ext>
+            </a:extLst>
+          </p:cNvPr>
+          <p:cNvSpPr>
+            <a:spLocks noChangeAspect="1"/>
+          </p:cNvSpPr>
+          <p:nvPr/>
+        </p:nvSpPr>
+        <p:spPr>
+          <a:xfrm>
+            <a:off x="4093879" y="5467068"/>
+            <a:ext cx="265265" cy="220540"/>
+          </a:xfrm>
+          <a:prstGeom prst="ellipse">
+            <a:avLst/>
+          </a:prstGeom>
+        </p:spPr>
+        <p:style>
+          <a:lnRef idx="2">
+            <a:schemeClr val="accent1">
+              <a:shade val="50000"/>
+            </a:schemeClr>
+          </a:lnRef>
+          <a:fillRef idx="1">
+            <a:schemeClr val="accent1"/>
+          </a:fillRef>
+          <a:effectRef idx="0">
+            <a:schemeClr val="accent1"/>
+          </a:effectRef>
+          <a:fontRef idx="minor">
+            <a:schemeClr val="lt1"/>
+          </a:fontRef>
+        </p:style>
+        <p:txBody>
+          <a:bodyPr rtlCol="0" anchor="ctr"/>
+          <a:lstStyle/>
+          <a:p>
+            <a:pPr algn="ctr"/>
+            <a:r>
+              <a:rPr lang="en-US" dirty="0"/>
+              <a:t>G</a:t>
+            </a:r>
+          </a:p>
+        </p:txBody>
+      </p:sp>
+      <p:sp>
+        <p:nvSpPr>
+          <p:cNvPr id="28" name="Oval 27">
+            <a:extLst>
+              <a:ext uri="{FF2B5EF4-FFF2-40B4-BE49-F238E27FC236}">
+                <a16:creationId xmlns:a16="http://schemas.microsoft.com/office/drawing/2014/main" id="{B81E3ECA-DF12-4BE1-946F-20ACAD68B47C}"/>
+              </a:ext>
+            </a:extLst>
+          </p:cNvPr>
+          <p:cNvSpPr>
+            <a:spLocks noChangeAspect="1"/>
+          </p:cNvSpPr>
+          <p:nvPr/>
+        </p:nvSpPr>
+        <p:spPr>
+          <a:xfrm>
+            <a:off x="4775175" y="5467068"/>
+            <a:ext cx="265265" cy="220540"/>
+          </a:xfrm>
+          <a:prstGeom prst="ellipse">
+            <a:avLst/>
+          </a:prstGeom>
+        </p:spPr>
+        <p:style>
+          <a:lnRef idx="2">
+            <a:schemeClr val="accent1">
+              <a:shade val="50000"/>
+            </a:schemeClr>
+          </a:lnRef>
+          <a:fillRef idx="1">
+            <a:schemeClr val="accent1"/>
+          </a:fillRef>
+          <a:effectRef idx="0">
+            <a:schemeClr val="accent1"/>
+          </a:effectRef>
+          <a:fontRef idx="minor">
+            <a:schemeClr val="lt1"/>
+          </a:fontRef>
+        </p:style>
+        <p:txBody>
+          <a:bodyPr rtlCol="0" anchor="ctr"/>
+          <a:lstStyle/>
+          <a:p>
+            <a:pPr algn="ctr"/>
+            <a:r>
+              <a:rPr lang="en-US" dirty="0"/>
+              <a:t>G</a:t>
+            </a:r>
+          </a:p>
+        </p:txBody>
+      </p:sp>
+      <p:sp>
+        <p:nvSpPr>
+          <p:cNvPr id="29" name="Oval 28">
+            <a:extLst>
+              <a:ext uri="{FF2B5EF4-FFF2-40B4-BE49-F238E27FC236}">
+                <a16:creationId xmlns:a16="http://schemas.microsoft.com/office/drawing/2014/main" id="{FE23A0A3-AA64-43A5-9BE2-7F9905963D44}"/>
+              </a:ext>
+            </a:extLst>
+          </p:cNvPr>
+          <p:cNvSpPr>
+            <a:spLocks noChangeAspect="1"/>
+          </p:cNvSpPr>
+          <p:nvPr/>
+        </p:nvSpPr>
+        <p:spPr>
+          <a:xfrm>
+            <a:off x="5143220" y="5467068"/>
+            <a:ext cx="265265" cy="220540"/>
+          </a:xfrm>
+          <a:prstGeom prst="ellipse">
+            <a:avLst/>
+          </a:prstGeom>
+        </p:spPr>
+        <p:style>
+          <a:lnRef idx="2">
+            <a:schemeClr val="accent1">
+              <a:shade val="50000"/>
+            </a:schemeClr>
+          </a:lnRef>
+          <a:fillRef idx="1">
+            <a:schemeClr val="accent1"/>
+          </a:fillRef>
+          <a:effectRef idx="0">
+            <a:schemeClr val="accent1"/>
+          </a:effectRef>
+          <a:fontRef idx="minor">
+            <a:schemeClr val="lt1"/>
+          </a:fontRef>
+        </p:style>
+        <p:txBody>
+          <a:bodyPr rtlCol="0" anchor="ctr"/>
+          <a:lstStyle/>
+          <a:p>
+            <a:pPr algn="ctr"/>
+            <a:r>
+              <a:rPr lang="en-US" dirty="0"/>
+              <a:t>T</a:t>
+            </a:r>
+          </a:p>
+        </p:txBody>
+      </p:sp>
+      <p:sp>
+        <p:nvSpPr>
+          <p:cNvPr id="30" name="Oval 29">
+            <a:extLst>
+              <a:ext uri="{FF2B5EF4-FFF2-40B4-BE49-F238E27FC236}">
+                <a16:creationId xmlns:a16="http://schemas.microsoft.com/office/drawing/2014/main" id="{EA69FC7C-A9CA-4873-90B6-D4F2309446D2}"/>
+              </a:ext>
+            </a:extLst>
+          </p:cNvPr>
+          <p:cNvSpPr>
+            <a:spLocks noChangeAspect="1"/>
+          </p:cNvSpPr>
+          <p:nvPr/>
+        </p:nvSpPr>
+        <p:spPr>
+          <a:xfrm>
+            <a:off x="3725834" y="5467068"/>
+            <a:ext cx="265265" cy="220540"/>
+          </a:xfrm>
+          <a:prstGeom prst="ellipse">
+            <a:avLst/>
+          </a:prstGeom>
+        </p:spPr>
+        <p:style>
+          <a:lnRef idx="2">
+            <a:schemeClr val="accent1">
+              <a:shade val="50000"/>
+            </a:schemeClr>
+          </a:lnRef>
+          <a:fillRef idx="1">
+            <a:schemeClr val="accent1"/>
+          </a:fillRef>
+          <a:effectRef idx="0">
+            <a:schemeClr val="accent1"/>
+          </a:effectRef>
+          <a:fontRef idx="minor">
+            <a:schemeClr val="lt1"/>
+          </a:fontRef>
+        </p:style>
+        <p:txBody>
+          <a:bodyPr rtlCol="0" anchor="ctr"/>
+          <a:lstStyle/>
+          <a:p>
+            <a:pPr algn="ctr"/>
+            <a:r>
+              <a:rPr lang="en-US" dirty="0"/>
+              <a:t>T</a:t>
+            </a:r>
+          </a:p>
+        </p:txBody>
+      </p:sp>
+      <p:cxnSp>
+        <p:nvCxnSpPr>
+          <p:cNvPr id="19" name="Straight Connector 18">
+            <a:extLst>
+              <a:ext uri="{FF2B5EF4-FFF2-40B4-BE49-F238E27FC236}">
+                <a16:creationId xmlns:a16="http://schemas.microsoft.com/office/drawing/2014/main" id="{B282C7A2-7DC7-42A3-9AFE-D71061BE32E9}"/>
+              </a:ext>
+            </a:extLst>
+          </p:cNvPr>
+          <p:cNvCxnSpPr/>
+          <p:nvPr/>
+        </p:nvCxnSpPr>
+        <p:spPr>
+          <a:xfrm>
+            <a:off x="1211913" y="3213717"/>
+            <a:ext cx="0" cy="3453413"/>
+          </a:xfrm>
+          <a:prstGeom prst="line">
+            <a:avLst/>
+          </a:prstGeom>
+        </p:spPr>
+        <p:style>
+          <a:lnRef idx="1">
+            <a:schemeClr val="accent1"/>
+          </a:lnRef>
+          <a:fillRef idx="0">
+            <a:schemeClr val="accent1"/>
+          </a:fillRef>
+          <a:effectRef idx="0">
+            <a:schemeClr val="accent1"/>
+          </a:effectRef>
+          <a:fontRef idx="minor">
+            <a:schemeClr val="tx1"/>
+          </a:fontRef>
+        </p:style>
+      </p:cxnSp>
+      <p:cxnSp>
+        <p:nvCxnSpPr>
+          <p:cNvPr id="20" name="Straight Connector 19">
+            <a:extLst>
+              <a:ext uri="{FF2B5EF4-FFF2-40B4-BE49-F238E27FC236}">
+                <a16:creationId xmlns:a16="http://schemas.microsoft.com/office/drawing/2014/main" id="{61ED0C4A-86F6-4341-AE22-402DFB6BC384}"/>
+              </a:ext>
+            </a:extLst>
+          </p:cNvPr>
+          <p:cNvCxnSpPr/>
+          <p:nvPr/>
+        </p:nvCxnSpPr>
+        <p:spPr>
+          <a:xfrm>
+            <a:off x="7898919" y="3286956"/>
+            <a:ext cx="0" cy="3453413"/>
+          </a:xfrm>
+          <a:prstGeom prst="line">
+            <a:avLst/>
+          </a:prstGeom>
+        </p:spPr>
+        <p:style>
+          <a:lnRef idx="1">
+            <a:schemeClr val="accent1"/>
+          </a:lnRef>
+          <a:fillRef idx="0">
+            <a:schemeClr val="accent1"/>
+          </a:fillRef>
+          <a:effectRef idx="0">
+            <a:schemeClr val="accent1"/>
+          </a:effectRef>
+          <a:fontRef idx="minor">
+            <a:schemeClr val="tx1"/>
+          </a:fontRef>
+        </p:style>
+      </p:cxnSp>
+      <p:cxnSp>
+        <p:nvCxnSpPr>
+          <p:cNvPr id="21" name="Straight Connector 20">
+            <a:extLst>
+              <a:ext uri="{FF2B5EF4-FFF2-40B4-BE49-F238E27FC236}">
+                <a16:creationId xmlns:a16="http://schemas.microsoft.com/office/drawing/2014/main" id="{E9DA7100-971C-4E3E-9218-EB1ACA2E1978}"/>
+              </a:ext>
+            </a:extLst>
+          </p:cNvPr>
+          <p:cNvCxnSpPr>
+            <a:cxnSpLocks/>
+          </p:cNvCxnSpPr>
+          <p:nvPr/>
+        </p:nvCxnSpPr>
+        <p:spPr>
+          <a:xfrm flipH="1">
+            <a:off x="195310" y="5687608"/>
+            <a:ext cx="8637972" cy="0"/>
+          </a:xfrm>
+          <a:prstGeom prst="line">
+            <a:avLst/>
+          </a:prstGeom>
+        </p:spPr>
+        <p:style>
+          <a:lnRef idx="1">
+            <a:schemeClr val="accent1"/>
+          </a:lnRef>
+          <a:fillRef idx="0">
+            <a:schemeClr val="accent1"/>
+          </a:fillRef>
+          <a:effectRef idx="0">
+            <a:schemeClr val="accent1"/>
+          </a:effectRef>
+          <a:fontRef idx="minor">
+            <a:schemeClr val="tx1"/>
+          </a:fontRef>
+        </p:style>
+      </p:cxnSp>
+      <p:cxnSp>
+        <p:nvCxnSpPr>
+          <p:cNvPr id="31" name="Straight Connector 30">
+            <a:extLst>
+              <a:ext uri="{FF2B5EF4-FFF2-40B4-BE49-F238E27FC236}">
+                <a16:creationId xmlns:a16="http://schemas.microsoft.com/office/drawing/2014/main" id="{A066C30E-F07F-48CA-8E2B-4D07D520F8BD}"/>
+              </a:ext>
+            </a:extLst>
+          </p:cNvPr>
+          <p:cNvCxnSpPr/>
+          <p:nvPr/>
+        </p:nvCxnSpPr>
+        <p:spPr>
+          <a:xfrm>
+            <a:off x="2900816" y="3286956"/>
+            <a:ext cx="0" cy="3453413"/>
+          </a:xfrm>
+          <a:prstGeom prst="line">
+            <a:avLst/>
+          </a:prstGeom>
+        </p:spPr>
+        <p:style>
+          <a:lnRef idx="1">
+            <a:schemeClr val="accent1"/>
+          </a:lnRef>
+          <a:fillRef idx="0">
+            <a:schemeClr val="accent1"/>
+          </a:fillRef>
+          <a:effectRef idx="0">
+            <a:schemeClr val="accent1"/>
+          </a:effectRef>
+          <a:fontRef idx="minor">
+            <a:schemeClr val="tx1"/>
+          </a:fontRef>
+        </p:style>
+      </p:cxnSp>
+      <p:cxnSp>
+        <p:nvCxnSpPr>
+          <p:cNvPr id="32" name="Straight Connector 31">
+            <a:extLst>
+              <a:ext uri="{FF2B5EF4-FFF2-40B4-BE49-F238E27FC236}">
+                <a16:creationId xmlns:a16="http://schemas.microsoft.com/office/drawing/2014/main" id="{73C4DBE1-C8F6-4421-9AA2-6AF8DE721DA1}"/>
+              </a:ext>
+            </a:extLst>
+          </p:cNvPr>
+          <p:cNvCxnSpPr/>
+          <p:nvPr/>
+        </p:nvCxnSpPr>
+        <p:spPr>
+          <a:xfrm>
+            <a:off x="6205097" y="3286956"/>
+            <a:ext cx="0" cy="3453413"/>
+          </a:xfrm>
+          <a:prstGeom prst="line">
+            <a:avLst/>
+          </a:prstGeom>
+        </p:spPr>
+        <p:style>
+          <a:lnRef idx="1">
+            <a:schemeClr val="accent1"/>
+          </a:lnRef>
+          <a:fillRef idx="0">
+            <a:schemeClr val="accent1"/>
+          </a:fillRef>
+          <a:effectRef idx="0">
+            <a:schemeClr val="accent1"/>
+          </a:effectRef>
+          <a:fontRef idx="minor">
+            <a:schemeClr val="tx1"/>
+          </a:fontRef>
+        </p:style>
+      </p:cxnSp>
+      <p:cxnSp>
+        <p:nvCxnSpPr>
+          <p:cNvPr id="33" name="Straight Connector 32">
+            <a:extLst>
+              <a:ext uri="{FF2B5EF4-FFF2-40B4-BE49-F238E27FC236}">
+                <a16:creationId xmlns:a16="http://schemas.microsoft.com/office/drawing/2014/main" id="{C8B1D18F-99C1-40AB-8E63-215300E54F7D}"/>
+              </a:ext>
+            </a:extLst>
+          </p:cNvPr>
+          <p:cNvCxnSpPr/>
+          <p:nvPr/>
+        </p:nvCxnSpPr>
+        <p:spPr>
+          <a:xfrm>
+            <a:off x="26633" y="3675360"/>
+            <a:ext cx="9046346" cy="0"/>
+          </a:xfrm>
+          <a:prstGeom prst="line">
+            <a:avLst/>
+          </a:prstGeom>
+        </p:spPr>
+        <p:style>
+          <a:lnRef idx="1">
+            <a:schemeClr val="accent1"/>
+          </a:lnRef>
+          <a:fillRef idx="0">
+            <a:schemeClr val="accent1"/>
+          </a:fillRef>
+          <a:effectRef idx="0">
+            <a:schemeClr val="accent1"/>
+          </a:effectRef>
+          <a:fontRef idx="minor">
+            <a:schemeClr val="tx1"/>
+          </a:fontRef>
+        </p:style>
+      </p:cxnSp>
+      <p:cxnSp>
+        <p:nvCxnSpPr>
+          <p:cNvPr id="34" name="Straight Connector 33">
+            <a:extLst>
+              <a:ext uri="{FF2B5EF4-FFF2-40B4-BE49-F238E27FC236}">
+                <a16:creationId xmlns:a16="http://schemas.microsoft.com/office/drawing/2014/main" id="{9AB4E154-DCDE-4AC1-B9B0-5454A03D9A17}"/>
+              </a:ext>
+            </a:extLst>
+          </p:cNvPr>
+          <p:cNvCxnSpPr/>
+          <p:nvPr/>
+        </p:nvCxnSpPr>
+        <p:spPr>
+          <a:xfrm flipV="1">
+            <a:off x="2073753" y="3213717"/>
+            <a:ext cx="0" cy="3517036"/>
+          </a:xfrm>
+          <a:prstGeom prst="line">
+            <a:avLst/>
+          </a:prstGeom>
+          <a:ln>
+            <a:solidFill>
+              <a:srgbClr val="FF0000"/>
+            </a:solidFill>
+          </a:ln>
+        </p:spPr>
+        <p:style>
+          <a:lnRef idx="1">
+            <a:schemeClr val="accent1"/>
+          </a:lnRef>
+          <a:fillRef idx="0">
+            <a:schemeClr val="accent1"/>
+          </a:fillRef>
+          <a:effectRef idx="0">
+            <a:schemeClr val="accent1"/>
+          </a:effectRef>
+          <a:fontRef idx="minor">
+            <a:schemeClr val="tx1"/>
+          </a:fontRef>
+        </p:style>
+      </p:cxnSp>
+      <p:cxnSp>
+        <p:nvCxnSpPr>
+          <p:cNvPr id="35" name="Straight Connector 34">
+            <a:extLst>
+              <a:ext uri="{FF2B5EF4-FFF2-40B4-BE49-F238E27FC236}">
+                <a16:creationId xmlns:a16="http://schemas.microsoft.com/office/drawing/2014/main" id="{DB8E852A-B933-49A6-A4F8-08BC3FBCA6BE}"/>
+              </a:ext>
+            </a:extLst>
+          </p:cNvPr>
+          <p:cNvCxnSpPr/>
+          <p:nvPr/>
+        </p:nvCxnSpPr>
+        <p:spPr>
+          <a:xfrm flipV="1">
+            <a:off x="7055489" y="3277340"/>
+            <a:ext cx="0" cy="3517036"/>
+          </a:xfrm>
+          <a:prstGeom prst="line">
+            <a:avLst/>
+          </a:prstGeom>
+          <a:ln>
+            <a:solidFill>
+              <a:srgbClr val="FF0000"/>
+            </a:solidFill>
+          </a:ln>
+        </p:spPr>
+        <p:style>
+          <a:lnRef idx="1">
+            <a:schemeClr val="accent1"/>
+          </a:lnRef>
+          <a:fillRef idx="0">
+            <a:schemeClr val="accent1"/>
+          </a:fillRef>
+          <a:effectRef idx="0">
+            <a:schemeClr val="accent1"/>
+          </a:effectRef>
+          <a:fontRef idx="minor">
+            <a:schemeClr val="tx1"/>
+          </a:fontRef>
+        </p:style>
+      </p:cxnSp>
+      <p:cxnSp>
+        <p:nvCxnSpPr>
+          <p:cNvPr id="36" name="Straight Connector 35">
+            <a:extLst>
+              <a:ext uri="{FF2B5EF4-FFF2-40B4-BE49-F238E27FC236}">
+                <a16:creationId xmlns:a16="http://schemas.microsoft.com/office/drawing/2014/main" id="{E862C820-31B1-4DAA-85A8-21F66D0EF258}"/>
+              </a:ext>
+            </a:extLst>
+          </p:cNvPr>
+          <p:cNvCxnSpPr/>
+          <p:nvPr/>
+        </p:nvCxnSpPr>
+        <p:spPr>
+          <a:xfrm flipV="1">
+            <a:off x="4560092" y="3232859"/>
+            <a:ext cx="0" cy="3517036"/>
+          </a:xfrm>
+          <a:prstGeom prst="line">
+            <a:avLst/>
+          </a:prstGeom>
+          <a:ln>
+            <a:solidFill>
+              <a:srgbClr val="FF0000"/>
+            </a:solidFill>
+          </a:ln>
+        </p:spPr>
+        <p:style>
+          <a:lnRef idx="1">
+            <a:schemeClr val="accent1"/>
+          </a:lnRef>
+          <a:fillRef idx="0">
+            <a:schemeClr val="accent1"/>
+          </a:fillRef>
+          <a:effectRef idx="0">
+            <a:schemeClr val="accent1"/>
+          </a:effectRef>
+          <a:fontRef idx="minor">
+            <a:schemeClr val="tx1"/>
+          </a:fontRef>
+        </p:style>
+      </p:cxnSp>
+      <p:cxnSp>
+        <p:nvCxnSpPr>
+          <p:cNvPr id="37" name="Straight Connector 36">
+            <a:extLst>
+              <a:ext uri="{FF2B5EF4-FFF2-40B4-BE49-F238E27FC236}">
+                <a16:creationId xmlns:a16="http://schemas.microsoft.com/office/drawing/2014/main" id="{5AB1C710-346A-4577-A966-66F17A75A4FA}"/>
+              </a:ext>
+            </a:extLst>
+          </p:cNvPr>
+          <p:cNvCxnSpPr>
+            <a:cxnSpLocks/>
+          </p:cNvCxnSpPr>
+          <p:nvPr/>
+        </p:nvCxnSpPr>
+        <p:spPr>
+          <a:xfrm flipV="1">
+            <a:off x="6695005" y="3334270"/>
+            <a:ext cx="0" cy="3406099"/>
+          </a:xfrm>
+          <a:prstGeom prst="line">
+            <a:avLst/>
+          </a:prstGeom>
+          <a:ln>
+            <a:solidFill>
+              <a:schemeClr val="accent6">
+                <a:lumMod val="40000"/>
+                <a:lumOff val="60000"/>
+              </a:schemeClr>
+            </a:solidFill>
+          </a:ln>
+        </p:spPr>
+        <p:style>
+          <a:lnRef idx="1">
+            <a:schemeClr val="accent1"/>
+          </a:lnRef>
+          <a:fillRef idx="0">
+            <a:schemeClr val="accent1"/>
+          </a:fillRef>
+          <a:effectRef idx="0">
+            <a:schemeClr val="accent1"/>
+          </a:effectRef>
+          <a:fontRef idx="minor">
+            <a:schemeClr val="tx1"/>
+          </a:fontRef>
+        </p:style>
+      </p:cxnSp>
+      <p:cxnSp>
+        <p:nvCxnSpPr>
+          <p:cNvPr id="38" name="Straight Connector 37">
+            <a:extLst>
+              <a:ext uri="{FF2B5EF4-FFF2-40B4-BE49-F238E27FC236}">
+                <a16:creationId xmlns:a16="http://schemas.microsoft.com/office/drawing/2014/main" id="{119B172F-C03D-409E-9033-E2C634D1CDCF}"/>
+              </a:ext>
+            </a:extLst>
+          </p:cNvPr>
+          <p:cNvCxnSpPr>
+            <a:cxnSpLocks/>
+          </p:cNvCxnSpPr>
+          <p:nvPr/>
+        </p:nvCxnSpPr>
+        <p:spPr>
+          <a:xfrm flipV="1">
+            <a:off x="2426629" y="3343796"/>
+            <a:ext cx="0" cy="3406099"/>
+          </a:xfrm>
+          <a:prstGeom prst="line">
+            <a:avLst/>
+          </a:prstGeom>
+          <a:ln>
+            <a:solidFill>
+              <a:schemeClr val="accent6">
+                <a:lumMod val="40000"/>
+                <a:lumOff val="60000"/>
+              </a:schemeClr>
+            </a:solidFill>
+          </a:ln>
+        </p:spPr>
+        <p:style>
+          <a:lnRef idx="1">
+            <a:schemeClr val="accent1"/>
+          </a:lnRef>
+          <a:fillRef idx="0">
+            <a:schemeClr val="accent1"/>
+          </a:fillRef>
+          <a:effectRef idx="0">
+            <a:schemeClr val="accent1"/>
+          </a:effectRef>
+          <a:fontRef idx="minor">
+            <a:schemeClr val="tx1"/>
+          </a:fontRef>
+        </p:style>
+      </p:cxnSp>
+      <p:sp>
+        <p:nvSpPr>
+          <p:cNvPr id="45" name="Oval 44">
+            <a:extLst>
+              <a:ext uri="{FF2B5EF4-FFF2-40B4-BE49-F238E27FC236}">
+                <a16:creationId xmlns:a16="http://schemas.microsoft.com/office/drawing/2014/main" id="{96DB9D0F-8331-4F30-81DC-3613EB7073CE}"/>
+              </a:ext>
+            </a:extLst>
+          </p:cNvPr>
+          <p:cNvSpPr>
+            <a:spLocks noChangeAspect="1"/>
+          </p:cNvSpPr>
+          <p:nvPr/>
+        </p:nvSpPr>
+        <p:spPr>
+          <a:xfrm>
+            <a:off x="3392253" y="5697734"/>
+            <a:ext cx="265265" cy="220540"/>
+          </a:xfrm>
+          <a:prstGeom prst="ellipse">
+            <a:avLst/>
+          </a:prstGeom>
+        </p:spPr>
+        <p:style>
+          <a:lnRef idx="2">
+            <a:schemeClr val="dk1"/>
+          </a:lnRef>
+          <a:fillRef idx="1">
+            <a:schemeClr val="lt1"/>
+          </a:fillRef>
+          <a:effectRef idx="0">
+            <a:schemeClr val="dk1"/>
+          </a:effectRef>
+          <a:fontRef idx="minor">
+            <a:schemeClr val="dk1"/>
+          </a:fontRef>
+        </p:style>
+        <p:txBody>
+          <a:bodyPr rtlCol="0" anchor="ctr"/>
+          <a:lstStyle/>
+          <a:p>
+            <a:pPr algn="ctr"/>
+            <a:r>
+              <a:rPr lang="en-US" dirty="0"/>
+              <a:t>3</a:t>
+            </a:r>
+          </a:p>
+        </p:txBody>
+      </p:sp>
+      <p:sp>
+        <p:nvSpPr>
+          <p:cNvPr id="46" name="TextBox 45">
+            <a:extLst>
+              <a:ext uri="{FF2B5EF4-FFF2-40B4-BE49-F238E27FC236}">
+                <a16:creationId xmlns:a16="http://schemas.microsoft.com/office/drawing/2014/main" id="{1860016D-777D-426F-9C82-4F0AF7A15085}"/>
+              </a:ext>
+            </a:extLst>
+          </p:cNvPr>
+          <p:cNvSpPr txBox="1"/>
+          <p:nvPr/>
+        </p:nvSpPr>
+        <p:spPr>
+          <a:xfrm>
+            <a:off x="385641" y="0"/>
+            <a:ext cx="2390078" cy="369332"/>
+          </a:xfrm>
+          <a:prstGeom prst="rect">
+            <a:avLst/>
+          </a:prstGeom>
+          <a:noFill/>
+        </p:spPr>
+        <p:txBody>
+          <a:bodyPr wrap="none" rtlCol="0">
+            <a:spAutoFit/>
+          </a:bodyPr>
+          <a:lstStyle/>
+          <a:p>
+            <a:r>
+              <a:rPr lang="en-US" dirty="0" err="1"/>
+              <a:t>TemplateType</a:t>
+            </a:r>
+            <a:r>
+              <a:rPr lang="en-US" dirty="0"/>
+              <a:t>=Motions</a:t>
+            </a:r>
+          </a:p>
+        </p:txBody>
+      </p:sp>
+      <p:cxnSp>
+        <p:nvCxnSpPr>
+          <p:cNvPr id="40" name="Straight Connector 39">
+            <a:extLst>
+              <a:ext uri="{FF2B5EF4-FFF2-40B4-BE49-F238E27FC236}">
+                <a16:creationId xmlns:a16="http://schemas.microsoft.com/office/drawing/2014/main" id="{CF35EEE0-B751-4D67-8C39-5CCB20DF4A5B}"/>
+              </a:ext>
+            </a:extLst>
+          </p:cNvPr>
+          <p:cNvCxnSpPr>
+            <a:cxnSpLocks/>
+          </p:cNvCxnSpPr>
+          <p:nvPr/>
+        </p:nvCxnSpPr>
+        <p:spPr>
+          <a:xfrm flipH="1">
+            <a:off x="159595" y="5687608"/>
+            <a:ext cx="8637972" cy="0"/>
+          </a:xfrm>
+          <a:prstGeom prst="line">
+            <a:avLst/>
+          </a:prstGeom>
+          <a:ln w="28575"/>
+        </p:spPr>
+        <p:style>
+          <a:lnRef idx="1">
+            <a:schemeClr val="accent1"/>
+          </a:lnRef>
+          <a:fillRef idx="0">
+            <a:schemeClr val="accent1"/>
+          </a:fillRef>
+          <a:effectRef idx="0">
+            <a:schemeClr val="accent1"/>
+          </a:effectRef>
+          <a:fontRef idx="minor">
+            <a:schemeClr val="tx1"/>
+          </a:fontRef>
+        </p:style>
+      </p:cxnSp>
+      <p:cxnSp>
+        <p:nvCxnSpPr>
+          <p:cNvPr id="41" name="Straight Connector 40">
+            <a:extLst>
+              <a:ext uri="{FF2B5EF4-FFF2-40B4-BE49-F238E27FC236}">
+                <a16:creationId xmlns:a16="http://schemas.microsoft.com/office/drawing/2014/main" id="{5FE2698A-192E-48E7-AB65-6EAA37DB5BA0}"/>
+              </a:ext>
+            </a:extLst>
+          </p:cNvPr>
+          <p:cNvCxnSpPr/>
+          <p:nvPr/>
+        </p:nvCxnSpPr>
+        <p:spPr>
+          <a:xfrm flipV="1">
+            <a:off x="4560092" y="3232859"/>
+            <a:ext cx="0" cy="3517036"/>
+          </a:xfrm>
+          <a:prstGeom prst="line">
+            <a:avLst/>
+          </a:prstGeom>
+          <a:ln w="28575">
+            <a:solidFill>
+              <a:srgbClr val="FF0000"/>
+            </a:solidFill>
+          </a:ln>
+        </p:spPr>
+        <p:style>
+          <a:lnRef idx="1">
+            <a:schemeClr val="accent1"/>
+          </a:lnRef>
+          <a:fillRef idx="0">
+            <a:schemeClr val="accent1"/>
+          </a:fillRef>
+          <a:effectRef idx="0">
+            <a:schemeClr val="accent1"/>
+          </a:effectRef>
+          <a:fontRef idx="minor">
+            <a:schemeClr val="tx1"/>
+          </a:fontRef>
+        </p:style>
+      </p:cxnSp>
+      <p:cxnSp>
+        <p:nvCxnSpPr>
+          <p:cNvPr id="42" name="Straight Connector 41">
+            <a:extLst>
+              <a:ext uri="{FF2B5EF4-FFF2-40B4-BE49-F238E27FC236}">
+                <a16:creationId xmlns:a16="http://schemas.microsoft.com/office/drawing/2014/main" id="{C16596A5-EAB5-4FA6-B72E-EBDCC58A7955}"/>
+              </a:ext>
+            </a:extLst>
+          </p:cNvPr>
+          <p:cNvCxnSpPr>
+            <a:cxnSpLocks/>
+          </p:cNvCxnSpPr>
+          <p:nvPr/>
+        </p:nvCxnSpPr>
+        <p:spPr>
+          <a:xfrm flipH="1">
+            <a:off x="159595" y="6132832"/>
+            <a:ext cx="8637972" cy="0"/>
+          </a:xfrm>
+          <a:prstGeom prst="line">
+            <a:avLst/>
+          </a:prstGeom>
+          <a:ln w="28575"/>
+        </p:spPr>
+        <p:style>
+          <a:lnRef idx="1">
+            <a:schemeClr val="accent1"/>
+          </a:lnRef>
+          <a:fillRef idx="0">
+            <a:schemeClr val="accent1"/>
+          </a:fillRef>
+          <a:effectRef idx="0">
+            <a:schemeClr val="accent1"/>
+          </a:effectRef>
+          <a:fontRef idx="minor">
+            <a:schemeClr val="tx1"/>
+          </a:fontRef>
+        </p:style>
+      </p:cxnSp>
+      <p:cxnSp>
+        <p:nvCxnSpPr>
+          <p:cNvPr id="43" name="Straight Connector 42">
+            <a:extLst>
+              <a:ext uri="{FF2B5EF4-FFF2-40B4-BE49-F238E27FC236}">
+                <a16:creationId xmlns:a16="http://schemas.microsoft.com/office/drawing/2014/main" id="{5471A4C5-E8C8-4C85-BEC7-8B705DD1C1DB}"/>
+              </a:ext>
+            </a:extLst>
+          </p:cNvPr>
+          <p:cNvCxnSpPr>
+            <a:cxnSpLocks/>
+          </p:cNvCxnSpPr>
+          <p:nvPr/>
+        </p:nvCxnSpPr>
+        <p:spPr>
+          <a:xfrm>
+            <a:off x="5088730" y="4743450"/>
+            <a:ext cx="0" cy="2000821"/>
+          </a:xfrm>
+          <a:prstGeom prst="line">
+            <a:avLst/>
+          </a:prstGeom>
+          <a:ln w="28575"/>
+        </p:spPr>
+        <p:style>
+          <a:lnRef idx="1">
+            <a:schemeClr val="accent1"/>
+          </a:lnRef>
+          <a:fillRef idx="0">
+            <a:schemeClr val="accent1"/>
+          </a:fillRef>
+          <a:effectRef idx="0">
+            <a:schemeClr val="accent1"/>
+          </a:effectRef>
+          <a:fontRef idx="minor">
+            <a:schemeClr val="tx1"/>
+          </a:fontRef>
+        </p:style>
+      </p:cxnSp>
+      <p:cxnSp>
+        <p:nvCxnSpPr>
+          <p:cNvPr id="44" name="Straight Connector 43">
+            <a:extLst>
+              <a:ext uri="{FF2B5EF4-FFF2-40B4-BE49-F238E27FC236}">
+                <a16:creationId xmlns:a16="http://schemas.microsoft.com/office/drawing/2014/main" id="{88D133B2-5E8F-491F-9557-0982091E734D}"/>
+              </a:ext>
+            </a:extLst>
+          </p:cNvPr>
+          <p:cNvCxnSpPr>
+            <a:cxnSpLocks/>
+          </p:cNvCxnSpPr>
+          <p:nvPr/>
+        </p:nvCxnSpPr>
+        <p:spPr>
+          <a:xfrm>
+            <a:off x="4034630" y="4742784"/>
+            <a:ext cx="0" cy="2000821"/>
+          </a:xfrm>
+          <a:prstGeom prst="line">
+            <a:avLst/>
+          </a:prstGeom>
+          <a:ln w="28575"/>
+        </p:spPr>
+        <p:style>
+          <a:lnRef idx="1">
+            <a:schemeClr val="accent1"/>
+          </a:lnRef>
+          <a:fillRef idx="0">
+            <a:schemeClr val="accent1"/>
+          </a:fillRef>
+          <a:effectRef idx="0">
+            <a:schemeClr val="accent1"/>
+          </a:effectRef>
+          <a:fontRef idx="minor">
+            <a:schemeClr val="tx1"/>
+          </a:fontRef>
+        </p:style>
+      </p:cxnSp>
+      <p:cxnSp>
+        <p:nvCxnSpPr>
+          <p:cNvPr id="47" name="Straight Connector 46">
+            <a:extLst>
+              <a:ext uri="{FF2B5EF4-FFF2-40B4-BE49-F238E27FC236}">
+                <a16:creationId xmlns:a16="http://schemas.microsoft.com/office/drawing/2014/main" id="{4C8B945E-85D9-4A4E-BF18-819F5CCB7EF9}"/>
+              </a:ext>
+            </a:extLst>
+          </p:cNvPr>
+          <p:cNvCxnSpPr>
+            <a:cxnSpLocks/>
+          </p:cNvCxnSpPr>
+          <p:nvPr/>
+        </p:nvCxnSpPr>
+        <p:spPr>
+          <a:xfrm flipH="1">
+            <a:off x="159595" y="6744271"/>
+            <a:ext cx="8637972" cy="0"/>
+          </a:xfrm>
+          <a:prstGeom prst="line">
+            <a:avLst/>
+          </a:prstGeom>
+          <a:ln w="28575"/>
+        </p:spPr>
+        <p:style>
+          <a:lnRef idx="1">
+            <a:schemeClr val="accent1"/>
+          </a:lnRef>
+          <a:fillRef idx="0">
+            <a:schemeClr val="accent1"/>
+          </a:fillRef>
+          <a:effectRef idx="0">
+            <a:schemeClr val="accent1"/>
+          </a:effectRef>
+          <a:fontRef idx="minor">
+            <a:schemeClr val="tx1"/>
+          </a:fontRef>
+        </p:style>
+      </p:cxnSp>
+      <p:sp>
+        <p:nvSpPr>
+          <p:cNvPr id="50" name="Oval 49">
+            <a:extLst>
+              <a:ext uri="{FF2B5EF4-FFF2-40B4-BE49-F238E27FC236}">
+                <a16:creationId xmlns:a16="http://schemas.microsoft.com/office/drawing/2014/main" id="{139EE805-A4AB-4B8E-944A-06810180D5CF}"/>
+              </a:ext>
+            </a:extLst>
+          </p:cNvPr>
+          <p:cNvSpPr>
+            <a:spLocks noChangeAspect="1"/>
+          </p:cNvSpPr>
+          <p:nvPr/>
+        </p:nvSpPr>
+        <p:spPr>
+          <a:xfrm>
+            <a:off x="3897719" y="6025704"/>
+            <a:ext cx="265265" cy="220540"/>
+          </a:xfrm>
+          <a:prstGeom prst="ellipse">
+            <a:avLst/>
+          </a:prstGeom>
+        </p:spPr>
+        <p:style>
+          <a:lnRef idx="2">
+            <a:schemeClr val="dk1"/>
+          </a:lnRef>
+          <a:fillRef idx="1">
+            <a:schemeClr val="lt1"/>
+          </a:fillRef>
+          <a:effectRef idx="0">
+            <a:schemeClr val="dk1"/>
+          </a:effectRef>
+          <a:fontRef idx="minor">
+            <a:schemeClr val="dk1"/>
+          </a:fontRef>
+        </p:style>
+        <p:txBody>
+          <a:bodyPr rtlCol="0" anchor="ctr"/>
+          <a:lstStyle/>
+          <a:p>
+            <a:pPr algn="ctr"/>
+            <a:r>
+              <a:rPr lang="en-US" dirty="0"/>
+              <a:t>1</a:t>
+            </a:r>
+          </a:p>
+        </p:txBody>
+      </p:sp>
+      <p:sp>
+        <p:nvSpPr>
+          <p:cNvPr id="51" name="Oval 50">
+            <a:extLst>
+              <a:ext uri="{FF2B5EF4-FFF2-40B4-BE49-F238E27FC236}">
+                <a16:creationId xmlns:a16="http://schemas.microsoft.com/office/drawing/2014/main" id="{79B2BFB9-7DB9-4944-B3E3-E68042FF9DF7}"/>
+              </a:ext>
+            </a:extLst>
+          </p:cNvPr>
+          <p:cNvSpPr>
+            <a:spLocks noChangeAspect="1"/>
+          </p:cNvSpPr>
+          <p:nvPr/>
+        </p:nvSpPr>
+        <p:spPr>
+          <a:xfrm>
+            <a:off x="3011756" y="5711562"/>
+            <a:ext cx="265265" cy="220540"/>
+          </a:xfrm>
+          <a:prstGeom prst="ellipse">
+            <a:avLst/>
+          </a:prstGeom>
+        </p:spPr>
+        <p:style>
+          <a:lnRef idx="2">
+            <a:schemeClr val="dk1"/>
+          </a:lnRef>
+          <a:fillRef idx="1">
+            <a:schemeClr val="lt1"/>
+          </a:fillRef>
+          <a:effectRef idx="0">
+            <a:schemeClr val="dk1"/>
+          </a:effectRef>
+          <a:fontRef idx="minor">
+            <a:schemeClr val="dk1"/>
+          </a:fontRef>
+        </p:style>
+        <p:txBody>
+          <a:bodyPr rtlCol="0" anchor="ctr"/>
+          <a:lstStyle/>
+          <a:p>
+            <a:pPr algn="ctr"/>
+            <a:r>
+              <a:rPr lang="en-US" dirty="0"/>
+              <a:t>5</a:t>
+            </a:r>
+          </a:p>
+        </p:txBody>
+      </p:sp>
+      <p:sp>
+        <p:nvSpPr>
+          <p:cNvPr id="52" name="Oval 51">
+            <a:extLst>
+              <a:ext uri="{FF2B5EF4-FFF2-40B4-BE49-F238E27FC236}">
+                <a16:creationId xmlns:a16="http://schemas.microsoft.com/office/drawing/2014/main" id="{2FCE9A29-FCF6-4DF0-9A85-935FAFFF9CAF}"/>
+              </a:ext>
+            </a:extLst>
+          </p:cNvPr>
+          <p:cNvSpPr>
+            <a:spLocks noChangeAspect="1"/>
+          </p:cNvSpPr>
+          <p:nvPr/>
+        </p:nvSpPr>
+        <p:spPr>
+          <a:xfrm>
+            <a:off x="4960085" y="6039650"/>
+            <a:ext cx="265265" cy="220540"/>
+          </a:xfrm>
+          <a:prstGeom prst="ellipse">
+            <a:avLst/>
+          </a:prstGeom>
+        </p:spPr>
+        <p:style>
+          <a:lnRef idx="2">
+            <a:schemeClr val="dk1"/>
+          </a:lnRef>
+          <a:fillRef idx="1">
+            <a:schemeClr val="lt1"/>
+          </a:fillRef>
+          <a:effectRef idx="0">
+            <a:schemeClr val="dk1"/>
+          </a:effectRef>
+          <a:fontRef idx="minor">
+            <a:schemeClr val="dk1"/>
+          </a:fontRef>
+        </p:style>
+        <p:txBody>
+          <a:bodyPr rtlCol="0" anchor="ctr"/>
+          <a:lstStyle/>
+          <a:p>
+            <a:pPr algn="ctr"/>
+            <a:r>
+              <a:rPr lang="en-US" dirty="0"/>
+              <a:t>0</a:t>
+            </a:r>
+          </a:p>
+        </p:txBody>
+      </p:sp>
+      <p:sp>
+        <p:nvSpPr>
+          <p:cNvPr id="54" name="Oval 53">
+            <a:extLst>
+              <a:ext uri="{FF2B5EF4-FFF2-40B4-BE49-F238E27FC236}">
+                <a16:creationId xmlns:a16="http://schemas.microsoft.com/office/drawing/2014/main" id="{00128ADF-5F2F-4A26-80FA-DE217D20DF10}"/>
+              </a:ext>
+            </a:extLst>
+          </p:cNvPr>
+          <p:cNvSpPr>
+            <a:spLocks noChangeAspect="1"/>
+          </p:cNvSpPr>
+          <p:nvPr/>
+        </p:nvSpPr>
+        <p:spPr>
+          <a:xfrm>
+            <a:off x="5855862" y="5698044"/>
+            <a:ext cx="265265" cy="220540"/>
+          </a:xfrm>
+          <a:prstGeom prst="ellipse">
+            <a:avLst/>
+          </a:prstGeom>
+        </p:spPr>
+        <p:style>
+          <a:lnRef idx="2">
+            <a:schemeClr val="dk1"/>
+          </a:lnRef>
+          <a:fillRef idx="1">
+            <a:schemeClr val="lt1"/>
+          </a:fillRef>
+          <a:effectRef idx="0">
+            <a:schemeClr val="dk1"/>
+          </a:effectRef>
+          <a:fontRef idx="minor">
+            <a:schemeClr val="dk1"/>
+          </a:fontRef>
+        </p:style>
+        <p:txBody>
+          <a:bodyPr rtlCol="0" anchor="ctr"/>
+          <a:lstStyle/>
+          <a:p>
+            <a:pPr algn="ctr"/>
+            <a:r>
+              <a:rPr lang="en-US" dirty="0"/>
+              <a:t>4</a:t>
+            </a:r>
+          </a:p>
+        </p:txBody>
+      </p:sp>
+      <p:sp>
+        <p:nvSpPr>
+          <p:cNvPr id="55" name="Oval 54">
+            <a:extLst>
+              <a:ext uri="{FF2B5EF4-FFF2-40B4-BE49-F238E27FC236}">
+                <a16:creationId xmlns:a16="http://schemas.microsoft.com/office/drawing/2014/main" id="{03AC72BE-2D39-4313-819E-C32513C71E7F}"/>
+              </a:ext>
+            </a:extLst>
+          </p:cNvPr>
+          <p:cNvSpPr>
+            <a:spLocks noChangeAspect="1"/>
+          </p:cNvSpPr>
+          <p:nvPr/>
+        </p:nvSpPr>
+        <p:spPr>
+          <a:xfrm>
+            <a:off x="5475365" y="5711872"/>
+            <a:ext cx="265265" cy="220540"/>
+          </a:xfrm>
+          <a:prstGeom prst="ellipse">
+            <a:avLst/>
+          </a:prstGeom>
+        </p:spPr>
+        <p:style>
+          <a:lnRef idx="2">
+            <a:schemeClr val="dk1"/>
+          </a:lnRef>
+          <a:fillRef idx="1">
+            <a:schemeClr val="lt1"/>
+          </a:fillRef>
+          <a:effectRef idx="0">
+            <a:schemeClr val="dk1"/>
+          </a:effectRef>
+          <a:fontRef idx="minor">
+            <a:schemeClr val="dk1"/>
+          </a:fontRef>
+        </p:style>
+        <p:txBody>
+          <a:bodyPr rtlCol="0" anchor="ctr"/>
+          <a:lstStyle/>
+          <a:p>
+            <a:pPr algn="ctr"/>
+            <a:r>
+              <a:rPr lang="en-US" dirty="0"/>
+              <a:t>2</a:t>
+            </a:r>
+          </a:p>
+        </p:txBody>
+      </p:sp>
+      <p:sp>
+        <p:nvSpPr>
+          <p:cNvPr id="56" name="Oval 55">
+            <a:extLst>
+              <a:ext uri="{FF2B5EF4-FFF2-40B4-BE49-F238E27FC236}">
+                <a16:creationId xmlns:a16="http://schemas.microsoft.com/office/drawing/2014/main" id="{9A54A262-1A1F-414F-B4BA-C7320655737F}"/>
+              </a:ext>
+            </a:extLst>
+          </p:cNvPr>
+          <p:cNvSpPr>
+            <a:spLocks noChangeAspect="1"/>
+          </p:cNvSpPr>
+          <p:nvPr/>
+        </p:nvSpPr>
+        <p:spPr>
+          <a:xfrm>
+            <a:off x="4430342" y="6620483"/>
+            <a:ext cx="265265" cy="220540"/>
+          </a:xfrm>
+          <a:prstGeom prst="ellipse">
+            <a:avLst/>
+          </a:prstGeom>
+        </p:spPr>
+        <p:style>
+          <a:lnRef idx="2">
+            <a:schemeClr val="dk1"/>
+          </a:lnRef>
+          <a:fillRef idx="1">
+            <a:schemeClr val="lt1"/>
+          </a:fillRef>
+          <a:effectRef idx="0">
+            <a:schemeClr val="dk1"/>
+          </a:effectRef>
+          <a:fontRef idx="minor">
+            <a:schemeClr val="dk1"/>
+          </a:fontRef>
+        </p:style>
+        <p:txBody>
+          <a:bodyPr rtlCol="0" anchor="ctr"/>
+          <a:lstStyle/>
+          <a:p>
+            <a:pPr algn="ctr"/>
+            <a:r>
+              <a:rPr lang="en-US" dirty="0"/>
+              <a:t>S</a:t>
+            </a:r>
+          </a:p>
+        </p:txBody>
+      </p:sp>
+    </p:spTree>
+    <p:extLst>
+      <p:ext uri="{BB962C8B-B14F-4D97-AF65-F5344CB8AC3E}">
+        <p14:creationId xmlns:p14="http://schemas.microsoft.com/office/powerpoint/2010/main" val="2417212085"/>
+      </p:ext>
+    </p:extLst>
+  </p:cSld>
+  <p:clrMapOvr>
+    <a:masterClrMapping/>
+  </p:clrMapOvr>
+</p:sld>
+</file>
+
 <file path=ppt/theme/theme1.xml><?xml version="1.0" encoding="utf-8"?>
 <a:theme xmlns:a="http://schemas.openxmlformats.org/drawingml/2006/main" name="Office Theme">
   <a:themeElements>
